--- a/FeatureSelection.pptx
+++ b/FeatureSelection.pptx
@@ -29,6 +29,10 @@
     <p:sldId id="279" r:id="rId23"/>
     <p:sldId id="280" r:id="rId24"/>
     <p:sldId id="282" r:id="rId25"/>
+    <p:sldId id="283" r:id="rId26"/>
+    <p:sldId id="284" r:id="rId27"/>
+    <p:sldId id="285" r:id="rId28"/>
+    <p:sldId id="286" r:id="rId29"/>
   </p:sldIdLst>
   <p:sldSz cx="12192000" cy="6858000"/>
   <p:notesSz cx="6858000" cy="9144000"/>
@@ -4919,39 +4923,616 @@
           <a:bodyPr/>
           <a:lstStyle/>
           <a:p>
+            <a:r>
+              <a:rPr lang="tr-TR" dirty="0"/>
+              <a:t>Modelin Oluşturulması</a:t>
+            </a:r>
             <a:endParaRPr lang="en-US" dirty="0"/>
           </a:p>
         </p:txBody>
       </p:sp>
-      <p:sp>
-        <p:nvSpPr>
-          <p:cNvPr id="3" name="İçerik Yer Tutucusu 2">
-            <a:extLst>
-              <a:ext uri="{FF2B5EF4-FFF2-40B4-BE49-F238E27FC236}">
-                <a16:creationId xmlns:a16="http://schemas.microsoft.com/office/drawing/2014/main" id="{9291711D-F2AF-4862-A3C1-E37B3EB3CDD9}"/>
-              </a:ext>
-            </a:extLst>
-          </p:cNvPr>
-          <p:cNvSpPr>
-            <a:spLocks noGrp="1"/>
-          </p:cNvSpPr>
+      <p:pic>
+        <p:nvPicPr>
+          <p:cNvPr id="5" name="İçerik Yer Tutucusu 4">
+            <a:extLst>
+              <a:ext uri="{FF2B5EF4-FFF2-40B4-BE49-F238E27FC236}">
+                <a16:creationId xmlns:a16="http://schemas.microsoft.com/office/drawing/2014/main" id="{52AFAACC-50C8-49B2-9486-9974CAE24294}"/>
+              </a:ext>
+            </a:extLst>
+          </p:cNvPr>
+          <p:cNvPicPr>
+            <a:picLocks noGrp="1" noChangeAspect="1"/>
+          </p:cNvPicPr>
           <p:nvPr>
             <p:ph idx="1"/>
           </p:nvPr>
-        </p:nvSpPr>
-        <p:spPr/>
-        <p:txBody>
-          <a:bodyPr/>
-          <a:lstStyle/>
-          <a:p>
-            <a:endParaRPr lang="en-US"/>
-          </a:p>
-        </p:txBody>
-      </p:sp>
+        </p:nvPicPr>
+        <p:blipFill>
+          <a:blip r:embed="rId2"/>
+          <a:stretch>
+            <a:fillRect/>
+          </a:stretch>
+        </p:blipFill>
+        <p:spPr>
+          <a:xfrm>
+            <a:off x="838200" y="1690688"/>
+            <a:ext cx="10515600" cy="3106675"/>
+          </a:xfrm>
+        </p:spPr>
+      </p:pic>
+      <p:pic>
+        <p:nvPicPr>
+          <p:cNvPr id="6" name="İçerik Yer Tutucusu 4">
+            <a:extLst>
+              <a:ext uri="{FF2B5EF4-FFF2-40B4-BE49-F238E27FC236}">
+                <a16:creationId xmlns:a16="http://schemas.microsoft.com/office/drawing/2014/main" id="{E42F351A-44C6-4A67-B2E6-940CFDE9F4D1}"/>
+              </a:ext>
+            </a:extLst>
+          </p:cNvPr>
+          <p:cNvPicPr>
+            <a:picLocks noChangeAspect="1"/>
+          </p:cNvPicPr>
+          <p:nvPr/>
+        </p:nvPicPr>
+        <p:blipFill>
+          <a:blip r:embed="rId3"/>
+          <a:stretch>
+            <a:fillRect/>
+          </a:stretch>
+        </p:blipFill>
+        <p:spPr>
+          <a:xfrm>
+            <a:off x="838200" y="4941490"/>
+            <a:ext cx="10515600" cy="684609"/>
+          </a:xfrm>
+          <a:prstGeom prst="rect">
+            <a:avLst/>
+          </a:prstGeom>
+        </p:spPr>
+      </p:pic>
+      <p:pic>
+        <p:nvPicPr>
+          <p:cNvPr id="8" name="Resim 7">
+            <a:extLst>
+              <a:ext uri="{FF2B5EF4-FFF2-40B4-BE49-F238E27FC236}">
+                <a16:creationId xmlns:a16="http://schemas.microsoft.com/office/drawing/2014/main" id="{7ECB54C4-03E9-4F77-93D8-6FC8254B7FA5}"/>
+              </a:ext>
+            </a:extLst>
+          </p:cNvPr>
+          <p:cNvPicPr>
+            <a:picLocks noChangeAspect="1"/>
+          </p:cNvPicPr>
+          <p:nvPr/>
+        </p:nvPicPr>
+        <p:blipFill>
+          <a:blip r:embed="rId4"/>
+          <a:stretch>
+            <a:fillRect/>
+          </a:stretch>
+        </p:blipFill>
+        <p:spPr>
+          <a:xfrm>
+            <a:off x="838200" y="5770226"/>
+            <a:ext cx="10515600" cy="495300"/>
+          </a:xfrm>
+          <a:prstGeom prst="rect">
+            <a:avLst/>
+          </a:prstGeom>
+        </p:spPr>
+      </p:pic>
     </p:spTree>
     <p:extLst>
       <p:ext uri="{BB962C8B-B14F-4D97-AF65-F5344CB8AC3E}">
         <p14:creationId xmlns:p14="http://schemas.microsoft.com/office/powerpoint/2010/main" val="172419648"/>
+      </p:ext>
+    </p:extLst>
+  </p:cSld>
+  <p:clrMapOvr>
+    <a:masterClrMapping/>
+  </p:clrMapOvr>
+</p:sld>
+</file>
+
+<file path=ppt/slides/slide25.xml><?xml version="1.0" encoding="utf-8"?>
+<p:sld xmlns:a="http://schemas.openxmlformats.org/drawingml/2006/main" xmlns:r="http://schemas.openxmlformats.org/officeDocument/2006/relationships" xmlns:p="http://schemas.openxmlformats.org/presentationml/2006/main">
+  <p:cSld>
+    <p:spTree>
+      <p:nvGrpSpPr>
+        <p:cNvPr id="1" name=""/>
+        <p:cNvGrpSpPr/>
+        <p:nvPr/>
+      </p:nvGrpSpPr>
+      <p:grpSpPr>
+        <a:xfrm>
+          <a:off x="0" y="0"/>
+          <a:ext cx="0" cy="0"/>
+          <a:chOff x="0" y="0"/>
+          <a:chExt cx="0" cy="0"/>
+        </a:xfrm>
+      </p:grpSpPr>
+      <p:sp>
+        <p:nvSpPr>
+          <p:cNvPr id="2" name="Başlık 1">
+            <a:extLst>
+              <a:ext uri="{FF2B5EF4-FFF2-40B4-BE49-F238E27FC236}">
+                <a16:creationId xmlns:a16="http://schemas.microsoft.com/office/drawing/2014/main" id="{2F8785BA-F7D4-4175-B52D-7B3DEAA77782}"/>
+              </a:ext>
+            </a:extLst>
+          </p:cNvPr>
+          <p:cNvSpPr>
+            <a:spLocks noGrp="1"/>
+          </p:cNvSpPr>
+          <p:nvPr>
+            <p:ph type="title"/>
+          </p:nvPr>
+        </p:nvSpPr>
+        <p:spPr/>
+        <p:txBody>
+          <a:bodyPr/>
+          <a:lstStyle/>
+          <a:p>
+            <a:r>
+              <a:rPr lang="tr-TR" dirty="0" err="1"/>
+              <a:t>Factorize</a:t>
+            </a:r>
+            <a:r>
+              <a:rPr lang="tr-TR" dirty="0"/>
+              <a:t> edilmesi</a:t>
+            </a:r>
+            <a:endParaRPr lang="en-US" dirty="0"/>
+          </a:p>
+        </p:txBody>
+      </p:sp>
+      <p:sp>
+        <p:nvSpPr>
+          <p:cNvPr id="7" name="İçerik Yer Tutucusu 6">
+            <a:extLst>
+              <a:ext uri="{FF2B5EF4-FFF2-40B4-BE49-F238E27FC236}">
+                <a16:creationId xmlns:a16="http://schemas.microsoft.com/office/drawing/2014/main" id="{71674A31-33BF-4BBF-BDEB-4622DCC3CC6D}"/>
+              </a:ext>
+            </a:extLst>
+          </p:cNvPr>
+          <p:cNvSpPr>
+            <a:spLocks noGrp="1"/>
+          </p:cNvSpPr>
+          <p:nvPr>
+            <p:ph idx="1"/>
+          </p:nvPr>
+        </p:nvSpPr>
+        <p:spPr/>
+        <p:txBody>
+          <a:bodyPr/>
+          <a:lstStyle/>
+          <a:p>
+            <a:endParaRPr lang="en-US"/>
+          </a:p>
+        </p:txBody>
+      </p:sp>
+      <p:pic>
+        <p:nvPicPr>
+          <p:cNvPr id="11" name="Resim 10">
+            <a:extLst>
+              <a:ext uri="{FF2B5EF4-FFF2-40B4-BE49-F238E27FC236}">
+                <a16:creationId xmlns:a16="http://schemas.microsoft.com/office/drawing/2014/main" id="{243ECE15-43B2-4014-8F7A-E74851120310}"/>
+              </a:ext>
+            </a:extLst>
+          </p:cNvPr>
+          <p:cNvPicPr>
+            <a:picLocks noChangeAspect="1"/>
+          </p:cNvPicPr>
+          <p:nvPr/>
+        </p:nvPicPr>
+        <p:blipFill>
+          <a:blip r:embed="rId2"/>
+          <a:stretch>
+            <a:fillRect/>
+          </a:stretch>
+        </p:blipFill>
+        <p:spPr>
+          <a:xfrm>
+            <a:off x="552450" y="2000250"/>
+            <a:ext cx="11087100" cy="3314700"/>
+          </a:xfrm>
+          <a:prstGeom prst="rect">
+            <a:avLst/>
+          </a:prstGeom>
+        </p:spPr>
+      </p:pic>
+    </p:spTree>
+    <p:extLst>
+      <p:ext uri="{BB962C8B-B14F-4D97-AF65-F5344CB8AC3E}">
+        <p14:creationId xmlns:p14="http://schemas.microsoft.com/office/powerpoint/2010/main" val="1823889331"/>
+      </p:ext>
+    </p:extLst>
+  </p:cSld>
+  <p:clrMapOvr>
+    <a:masterClrMapping/>
+  </p:clrMapOvr>
+</p:sld>
+</file>
+
+<file path=ppt/slides/slide26.xml><?xml version="1.0" encoding="utf-8"?>
+<p:sld xmlns:a="http://schemas.openxmlformats.org/drawingml/2006/main" xmlns:r="http://schemas.openxmlformats.org/officeDocument/2006/relationships" xmlns:p="http://schemas.openxmlformats.org/presentationml/2006/main">
+  <p:cSld>
+    <p:spTree>
+      <p:nvGrpSpPr>
+        <p:cNvPr id="1" name=""/>
+        <p:cNvGrpSpPr/>
+        <p:nvPr/>
+      </p:nvGrpSpPr>
+      <p:grpSpPr>
+        <a:xfrm>
+          <a:off x="0" y="0"/>
+          <a:ext cx="0" cy="0"/>
+          <a:chOff x="0" y="0"/>
+          <a:chExt cx="0" cy="0"/>
+        </a:xfrm>
+      </p:grpSpPr>
+      <p:sp>
+        <p:nvSpPr>
+          <p:cNvPr id="2" name="Başlık 1">
+            <a:extLst>
+              <a:ext uri="{FF2B5EF4-FFF2-40B4-BE49-F238E27FC236}">
+                <a16:creationId xmlns:a16="http://schemas.microsoft.com/office/drawing/2014/main" id="{A36BD7F8-0A66-41DC-86E1-304113C10D67}"/>
+              </a:ext>
+            </a:extLst>
+          </p:cNvPr>
+          <p:cNvSpPr>
+            <a:spLocks noGrp="1"/>
+          </p:cNvSpPr>
+          <p:nvPr>
+            <p:ph type="title"/>
+          </p:nvPr>
+        </p:nvSpPr>
+        <p:spPr/>
+        <p:txBody>
+          <a:bodyPr/>
+          <a:lstStyle/>
+          <a:p>
+            <a:r>
+              <a:rPr lang="tr-TR" dirty="0"/>
+              <a:t>Train-Test setin tekrar ayrılması</a:t>
+            </a:r>
+            <a:endParaRPr lang="en-US" dirty="0"/>
+          </a:p>
+        </p:txBody>
+      </p:sp>
+      <p:pic>
+        <p:nvPicPr>
+          <p:cNvPr id="7" name="İçerik Yer Tutucusu 6">
+            <a:extLst>
+              <a:ext uri="{FF2B5EF4-FFF2-40B4-BE49-F238E27FC236}">
+                <a16:creationId xmlns:a16="http://schemas.microsoft.com/office/drawing/2014/main" id="{8DAFFAAE-4600-4CE2-A0C4-7395E603EFF9}"/>
+              </a:ext>
+            </a:extLst>
+          </p:cNvPr>
+          <p:cNvPicPr>
+            <a:picLocks noGrp="1" noChangeAspect="1"/>
+          </p:cNvPicPr>
+          <p:nvPr>
+            <p:ph idx="1"/>
+          </p:nvPr>
+        </p:nvPicPr>
+        <p:blipFill>
+          <a:blip r:embed="rId2"/>
+          <a:stretch>
+            <a:fillRect/>
+          </a:stretch>
+        </p:blipFill>
+        <p:spPr>
+          <a:xfrm>
+            <a:off x="514350" y="3429000"/>
+            <a:ext cx="10515600" cy="810292"/>
+          </a:xfrm>
+        </p:spPr>
+      </p:pic>
+      <p:pic>
+        <p:nvPicPr>
+          <p:cNvPr id="5" name="Resim 4">
+            <a:extLst>
+              <a:ext uri="{FF2B5EF4-FFF2-40B4-BE49-F238E27FC236}">
+                <a16:creationId xmlns:a16="http://schemas.microsoft.com/office/drawing/2014/main" id="{6C252D65-43E8-4CE5-B7B2-E5866F7C5B16}"/>
+              </a:ext>
+            </a:extLst>
+          </p:cNvPr>
+          <p:cNvPicPr>
+            <a:picLocks noChangeAspect="1"/>
+          </p:cNvPicPr>
+          <p:nvPr/>
+        </p:nvPicPr>
+        <p:blipFill>
+          <a:blip r:embed="rId3"/>
+          <a:stretch>
+            <a:fillRect/>
+          </a:stretch>
+        </p:blipFill>
+        <p:spPr>
+          <a:xfrm>
+            <a:off x="514350" y="2090277"/>
+            <a:ext cx="11163300" cy="1171575"/>
+          </a:xfrm>
+          <a:prstGeom prst="rect">
+            <a:avLst/>
+          </a:prstGeom>
+        </p:spPr>
+      </p:pic>
+    </p:spTree>
+    <p:extLst>
+      <p:ext uri="{BB962C8B-B14F-4D97-AF65-F5344CB8AC3E}">
+        <p14:creationId xmlns:p14="http://schemas.microsoft.com/office/powerpoint/2010/main" val="1719945133"/>
+      </p:ext>
+    </p:extLst>
+  </p:cSld>
+  <p:clrMapOvr>
+    <a:masterClrMapping/>
+  </p:clrMapOvr>
+</p:sld>
+</file>
+
+<file path=ppt/slides/slide27.xml><?xml version="1.0" encoding="utf-8"?>
+<p:sld xmlns:a="http://schemas.openxmlformats.org/drawingml/2006/main" xmlns:r="http://schemas.openxmlformats.org/officeDocument/2006/relationships" xmlns:p="http://schemas.openxmlformats.org/presentationml/2006/main">
+  <p:cSld>
+    <p:spTree>
+      <p:nvGrpSpPr>
+        <p:cNvPr id="1" name=""/>
+        <p:cNvGrpSpPr/>
+        <p:nvPr/>
+      </p:nvGrpSpPr>
+      <p:grpSpPr>
+        <a:xfrm>
+          <a:off x="0" y="0"/>
+          <a:ext cx="0" cy="0"/>
+          <a:chOff x="0" y="0"/>
+          <a:chExt cx="0" cy="0"/>
+        </a:xfrm>
+      </p:grpSpPr>
+      <p:sp>
+        <p:nvSpPr>
+          <p:cNvPr id="2" name="Başlık 1">
+            <a:extLst>
+              <a:ext uri="{FF2B5EF4-FFF2-40B4-BE49-F238E27FC236}">
+                <a16:creationId xmlns:a16="http://schemas.microsoft.com/office/drawing/2014/main" id="{14813D37-968D-4216-8C9F-64F35770E9CC}"/>
+              </a:ext>
+            </a:extLst>
+          </p:cNvPr>
+          <p:cNvSpPr>
+            <a:spLocks noGrp="1"/>
+          </p:cNvSpPr>
+          <p:nvPr>
+            <p:ph type="title"/>
+          </p:nvPr>
+        </p:nvSpPr>
+        <p:spPr/>
+        <p:txBody>
+          <a:bodyPr/>
+          <a:lstStyle/>
+          <a:p>
+            <a:r>
+              <a:rPr lang="tr-TR" dirty="0"/>
+              <a:t>Modelimiz</a:t>
+            </a:r>
+            <a:endParaRPr lang="en-US" dirty="0"/>
+          </a:p>
+        </p:txBody>
+      </p:sp>
+      <p:pic>
+        <p:nvPicPr>
+          <p:cNvPr id="5" name="İçerik Yer Tutucusu 4">
+            <a:extLst>
+              <a:ext uri="{FF2B5EF4-FFF2-40B4-BE49-F238E27FC236}">
+                <a16:creationId xmlns:a16="http://schemas.microsoft.com/office/drawing/2014/main" id="{22FB8594-BA45-428E-B0B7-01C79624A2E5}"/>
+              </a:ext>
+            </a:extLst>
+          </p:cNvPr>
+          <p:cNvPicPr>
+            <a:picLocks noGrp="1" noChangeAspect="1"/>
+          </p:cNvPicPr>
+          <p:nvPr>
+            <p:ph idx="1"/>
+          </p:nvPr>
+        </p:nvPicPr>
+        <p:blipFill>
+          <a:blip r:embed="rId2"/>
+          <a:stretch>
+            <a:fillRect/>
+          </a:stretch>
+        </p:blipFill>
+        <p:spPr>
+          <a:xfrm>
+            <a:off x="838200" y="1690688"/>
+            <a:ext cx="10515600" cy="871007"/>
+          </a:xfrm>
+        </p:spPr>
+      </p:pic>
+      <p:sp>
+        <p:nvSpPr>
+          <p:cNvPr id="6" name="Metin kutusu 5">
+            <a:extLst>
+              <a:ext uri="{FF2B5EF4-FFF2-40B4-BE49-F238E27FC236}">
+                <a16:creationId xmlns:a16="http://schemas.microsoft.com/office/drawing/2014/main" id="{1F37AA28-FB3E-4067-ABDD-A6A0C43D3737}"/>
+              </a:ext>
+            </a:extLst>
+          </p:cNvPr>
+          <p:cNvSpPr txBox="1"/>
+          <p:nvPr/>
+        </p:nvSpPr>
+        <p:spPr>
+          <a:xfrm>
+            <a:off x="1959429" y="3755571"/>
+            <a:ext cx="8343900" cy="646331"/>
+          </a:xfrm>
+          <a:prstGeom prst="rect">
+            <a:avLst/>
+          </a:prstGeom>
+          <a:noFill/>
+        </p:spPr>
+        <p:txBody>
+          <a:bodyPr wrap="square" rtlCol="0">
+            <a:spAutoFit/>
+          </a:bodyPr>
+          <a:lstStyle/>
+          <a:p>
+            <a:r>
+              <a:rPr lang="tr-TR" dirty="0"/>
+              <a:t>Parametrelerimiz  |</a:t>
+            </a:r>
+            <a:r>
+              <a:rPr lang="tr-TR" dirty="0" err="1"/>
+              <a:t>multi:softmax</a:t>
+            </a:r>
+            <a:r>
+              <a:rPr lang="tr-TR" dirty="0"/>
+              <a:t> </a:t>
+            </a:r>
+            <a:r>
+              <a:rPr lang="tr-TR" dirty="0">
+                <a:sym typeface="Wingdings" panose="05000000000000000000" pitchFamily="2" charset="2"/>
+              </a:rPr>
+              <a:t> </a:t>
+            </a:r>
+            <a:r>
+              <a:rPr lang="tr-TR" dirty="0" err="1">
+                <a:sym typeface="Wingdings" panose="05000000000000000000" pitchFamily="2" charset="2"/>
+              </a:rPr>
+              <a:t>multi</a:t>
+            </a:r>
+            <a:r>
+              <a:rPr lang="tr-TR" dirty="0">
+                <a:sym typeface="Wingdings" panose="05000000000000000000" pitchFamily="2" charset="2"/>
+              </a:rPr>
+              <a:t> </a:t>
+            </a:r>
+            <a:r>
+              <a:rPr lang="tr-TR" dirty="0" err="1">
+                <a:sym typeface="Wingdings" panose="05000000000000000000" pitchFamily="2" charset="2"/>
+              </a:rPr>
+              <a:t>class</a:t>
+            </a:r>
+            <a:r>
+              <a:rPr lang="tr-TR" dirty="0">
+                <a:sym typeface="Wingdings" panose="05000000000000000000" pitchFamily="2" charset="2"/>
+              </a:rPr>
+              <a:t> </a:t>
+            </a:r>
+            <a:r>
+              <a:rPr lang="tr-TR" dirty="0" err="1">
+                <a:sym typeface="Wingdings" panose="05000000000000000000" pitchFamily="2" charset="2"/>
+              </a:rPr>
+              <a:t>classification</a:t>
+            </a:r>
+            <a:r>
+              <a:rPr lang="tr-TR" dirty="0">
+                <a:sym typeface="Wingdings" panose="05000000000000000000" pitchFamily="2" charset="2"/>
+              </a:rPr>
+              <a:t> </a:t>
+            </a:r>
+          </a:p>
+          <a:p>
+            <a:r>
+              <a:rPr lang="tr-TR" dirty="0">
+                <a:sym typeface="Wingdings" panose="05000000000000000000" pitchFamily="2" charset="2"/>
+              </a:rPr>
+              <a:t>	 	</a:t>
+            </a:r>
+            <a:r>
+              <a:rPr lang="tr-TR" dirty="0" err="1">
+                <a:sym typeface="Wingdings" panose="05000000000000000000" pitchFamily="2" charset="2"/>
+              </a:rPr>
+              <a:t>num_class</a:t>
+            </a:r>
+            <a:r>
+              <a:rPr lang="tr-TR" dirty="0">
+                <a:sym typeface="Wingdings" panose="05000000000000000000" pitchFamily="2" charset="2"/>
+              </a:rPr>
+              <a:t> :3  </a:t>
+            </a:r>
+            <a:r>
+              <a:rPr lang="tr-TR" dirty="0" err="1">
+                <a:sym typeface="Wingdings" panose="05000000000000000000" pitchFamily="2" charset="2"/>
+              </a:rPr>
+              <a:t>target</a:t>
+            </a:r>
+            <a:r>
+              <a:rPr lang="tr-TR" dirty="0">
+                <a:sym typeface="Wingdings" panose="05000000000000000000" pitchFamily="2" charset="2"/>
+              </a:rPr>
+              <a:t> 3 </a:t>
+            </a:r>
+            <a:r>
+              <a:rPr lang="tr-TR" dirty="0" err="1">
+                <a:sym typeface="Wingdings" panose="05000000000000000000" pitchFamily="2" charset="2"/>
+              </a:rPr>
+              <a:t>classtan</a:t>
+            </a:r>
+            <a:r>
+              <a:rPr lang="tr-TR" dirty="0">
+                <a:sym typeface="Wingdings" panose="05000000000000000000" pitchFamily="2" charset="2"/>
+              </a:rPr>
+              <a:t> oluşuyor.</a:t>
+            </a:r>
+            <a:endParaRPr lang="en-US" dirty="0"/>
+          </a:p>
+        </p:txBody>
+      </p:sp>
+    </p:spTree>
+    <p:extLst>
+      <p:ext uri="{BB962C8B-B14F-4D97-AF65-F5344CB8AC3E}">
+        <p14:creationId xmlns:p14="http://schemas.microsoft.com/office/powerpoint/2010/main" val="3386119817"/>
+      </p:ext>
+    </p:extLst>
+  </p:cSld>
+  <p:clrMapOvr>
+    <a:masterClrMapping/>
+  </p:clrMapOvr>
+</p:sld>
+</file>
+
+<file path=ppt/slides/slide28.xml><?xml version="1.0" encoding="utf-8"?>
+<p:sld xmlns:a="http://schemas.openxmlformats.org/drawingml/2006/main" xmlns:r="http://schemas.openxmlformats.org/officeDocument/2006/relationships" xmlns:p="http://schemas.openxmlformats.org/presentationml/2006/main">
+  <p:cSld>
+    <p:spTree>
+      <p:nvGrpSpPr>
+        <p:cNvPr id="1" name=""/>
+        <p:cNvGrpSpPr/>
+        <p:nvPr/>
+      </p:nvGrpSpPr>
+      <p:grpSpPr>
+        <a:xfrm>
+          <a:off x="0" y="0"/>
+          <a:ext cx="0" cy="0"/>
+          <a:chOff x="0" y="0"/>
+          <a:chExt cx="0" cy="0"/>
+        </a:xfrm>
+      </p:grpSpPr>
+      <p:sp>
+        <p:nvSpPr>
+          <p:cNvPr id="2" name="Başlık 1">
+            <a:extLst>
+              <a:ext uri="{FF2B5EF4-FFF2-40B4-BE49-F238E27FC236}">
+                <a16:creationId xmlns:a16="http://schemas.microsoft.com/office/drawing/2014/main" id="{F62909E1-4373-44EC-968B-E7D23A086038}"/>
+              </a:ext>
+            </a:extLst>
+          </p:cNvPr>
+          <p:cNvSpPr>
+            <a:spLocks noGrp="1"/>
+          </p:cNvSpPr>
+          <p:nvPr>
+            <p:ph type="title"/>
+          </p:nvPr>
+        </p:nvSpPr>
+        <p:spPr/>
+        <p:txBody>
+          <a:bodyPr/>
+          <a:lstStyle/>
+          <a:p>
+            <a:endParaRPr lang="en-US"/>
+          </a:p>
+        </p:txBody>
+      </p:sp>
+    </p:spTree>
+    <p:extLst>
+      <p:ext uri="{BB962C8B-B14F-4D97-AF65-F5344CB8AC3E}">
+        <p14:creationId xmlns:p14="http://schemas.microsoft.com/office/powerpoint/2010/main" val="2550620909"/>
       </p:ext>
     </p:extLst>
   </p:cSld>
@@ -5232,9 +5813,18 @@
         </p:nvSpPr>
         <p:spPr/>
         <p:txBody>
-          <a:bodyPr/>
-          <a:lstStyle/>
-          <a:p>
+          <a:bodyPr>
+            <a:normAutofit fontScale="90000"/>
+          </a:bodyPr>
+          <a:lstStyle/>
+          <a:p>
+            <a:r>
+              <a:rPr lang="tr-TR" dirty="0"/>
+              <a:t>1. Denememiz</a:t>
+            </a:r>
+            <a:br>
+              <a:rPr lang="tr-TR" dirty="0"/>
+            </a:br>
             <a:r>
               <a:rPr lang="tr-TR" dirty="0"/>
               <a:t>Birbirine benzer </a:t>
@@ -5280,7 +5870,7 @@
           <a:bodyPr/>
           <a:lstStyle/>
           <a:p>
-            <a:endParaRPr lang="en-US"/>
+            <a:endParaRPr lang="en-US" dirty="0"/>
           </a:p>
         </p:txBody>
       </p:sp>

--- a/FeatureSelection.pptx
+++ b/FeatureSelection.pptx
@@ -33,6 +33,7 @@
     <p:sldId id="284" r:id="rId27"/>
     <p:sldId id="285" r:id="rId28"/>
     <p:sldId id="286" r:id="rId29"/>
+    <p:sldId id="287" r:id="rId30"/>
   </p:sldIdLst>
   <p:sldSz cx="12192000" cy="6858000"/>
   <p:notesSz cx="6858000" cy="9144000"/>
@@ -5315,35 +5316,6 @@
           </a:p>
         </p:txBody>
       </p:sp>
-      <p:pic>
-        <p:nvPicPr>
-          <p:cNvPr id="5" name="İçerik Yer Tutucusu 4">
-            <a:extLst>
-              <a:ext uri="{FF2B5EF4-FFF2-40B4-BE49-F238E27FC236}">
-                <a16:creationId xmlns:a16="http://schemas.microsoft.com/office/drawing/2014/main" id="{22FB8594-BA45-428E-B0B7-01C79624A2E5}"/>
-              </a:ext>
-            </a:extLst>
-          </p:cNvPr>
-          <p:cNvPicPr>
-            <a:picLocks noGrp="1" noChangeAspect="1"/>
-          </p:cNvPicPr>
-          <p:nvPr>
-            <p:ph idx="1"/>
-          </p:nvPr>
-        </p:nvPicPr>
-        <p:blipFill>
-          <a:blip r:embed="rId2"/>
-          <a:stretch>
-            <a:fillRect/>
-          </a:stretch>
-        </p:blipFill>
-        <p:spPr>
-          <a:xfrm>
-            <a:off x="838200" y="1690688"/>
-            <a:ext cx="10515600" cy="871007"/>
-          </a:xfrm>
-        </p:spPr>
-      </p:pic>
       <p:sp>
         <p:nvSpPr>
           <p:cNvPr id="6" name="Metin kutusu 5">
@@ -5474,6 +5446,103 @@
           </a:p>
         </p:txBody>
       </p:sp>
+      <p:sp>
+        <p:nvSpPr>
+          <p:cNvPr id="4" name="İçerik Yer Tutucusu 3">
+            <a:extLst>
+              <a:ext uri="{FF2B5EF4-FFF2-40B4-BE49-F238E27FC236}">
+                <a16:creationId xmlns:a16="http://schemas.microsoft.com/office/drawing/2014/main" id="{93122DCD-FAD7-4176-84CD-450505C22864}"/>
+              </a:ext>
+            </a:extLst>
+          </p:cNvPr>
+          <p:cNvSpPr>
+            <a:spLocks noGrp="1"/>
+          </p:cNvSpPr>
+          <p:nvPr>
+            <p:ph idx="1"/>
+          </p:nvPr>
+        </p:nvSpPr>
+        <p:spPr/>
+        <p:txBody>
+          <a:bodyPr>
+            <a:normAutofit/>
+          </a:bodyPr>
+          <a:lstStyle/>
+          <a:p>
+            <a:endParaRPr lang="tr-TR" dirty="0"/>
+          </a:p>
+          <a:p>
+            <a:endParaRPr lang="tr-TR" dirty="0"/>
+          </a:p>
+          <a:p>
+            <a:endParaRPr lang="tr-TR" dirty="0"/>
+          </a:p>
+          <a:p>
+            <a:endParaRPr lang="tr-TR" dirty="0"/>
+          </a:p>
+          <a:p>
+            <a:endParaRPr lang="tr-TR" dirty="0"/>
+          </a:p>
+          <a:p>
+            <a:endParaRPr lang="tr-TR" dirty="0"/>
+          </a:p>
+          <a:p>
+            <a:r>
+              <a:rPr lang="tr-TR" dirty="0"/>
+              <a:t>Depth için 10 ile 18 arasındaki tüm </a:t>
+            </a:r>
+            <a:r>
+              <a:rPr lang="tr-TR" dirty="0" err="1"/>
+              <a:t>depthleri</a:t>
+            </a:r>
+            <a:r>
+              <a:rPr lang="tr-TR" dirty="0"/>
+              <a:t> denedik. En iyi performansı </a:t>
+            </a:r>
+            <a:r>
+              <a:rPr lang="tr-TR" dirty="0" err="1"/>
+              <a:t>depth</a:t>
+            </a:r>
+            <a:r>
+              <a:rPr lang="tr-TR" dirty="0"/>
+              <a:t>=15 verdi.</a:t>
+            </a:r>
+          </a:p>
+          <a:p>
+            <a:endParaRPr lang="en-US" dirty="0"/>
+          </a:p>
+        </p:txBody>
+      </p:sp>
+      <p:pic>
+        <p:nvPicPr>
+          <p:cNvPr id="8" name="Resim 7">
+            <a:extLst>
+              <a:ext uri="{FF2B5EF4-FFF2-40B4-BE49-F238E27FC236}">
+                <a16:creationId xmlns:a16="http://schemas.microsoft.com/office/drawing/2014/main" id="{A5B2313A-F7F2-4580-B10F-70D3EB3C2C10}"/>
+              </a:ext>
+            </a:extLst>
+          </p:cNvPr>
+          <p:cNvPicPr>
+            <a:picLocks noChangeAspect="1"/>
+          </p:cNvPicPr>
+          <p:nvPr/>
+        </p:nvPicPr>
+        <p:blipFill>
+          <a:blip r:embed="rId2"/>
+          <a:stretch>
+            <a:fillRect/>
+          </a:stretch>
+        </p:blipFill>
+        <p:spPr>
+          <a:xfrm>
+            <a:off x="838200" y="1832956"/>
+            <a:ext cx="11087100" cy="1028700"/>
+          </a:xfrm>
+          <a:prstGeom prst="rect">
+            <a:avLst/>
+          </a:prstGeom>
+        </p:spPr>
+      </p:pic>
     </p:spTree>
     <p:extLst>
       <p:ext uri="{BB962C8B-B14F-4D97-AF65-F5344CB8AC3E}">
@@ -5525,14 +5594,140 @@
           <a:bodyPr/>
           <a:lstStyle/>
           <a:p>
-            <a:endParaRPr lang="en-US"/>
-          </a:p>
-        </p:txBody>
-      </p:sp>
+            <a:endParaRPr lang="en-US" dirty="0"/>
+          </a:p>
+        </p:txBody>
+      </p:sp>
+      <p:pic>
+        <p:nvPicPr>
+          <p:cNvPr id="4" name="Resim 3">
+            <a:extLst>
+              <a:ext uri="{FF2B5EF4-FFF2-40B4-BE49-F238E27FC236}">
+                <a16:creationId xmlns:a16="http://schemas.microsoft.com/office/drawing/2014/main" id="{3F7ABBA4-ABCC-4AB3-A2A5-69071C87ECF1}"/>
+              </a:ext>
+            </a:extLst>
+          </p:cNvPr>
+          <p:cNvPicPr>
+            <a:picLocks noChangeAspect="1"/>
+          </p:cNvPicPr>
+          <p:nvPr/>
+        </p:nvPicPr>
+        <p:blipFill>
+          <a:blip r:embed="rId2"/>
+          <a:stretch>
+            <a:fillRect/>
+          </a:stretch>
+        </p:blipFill>
+        <p:spPr>
+          <a:xfrm>
+            <a:off x="547687" y="2238375"/>
+            <a:ext cx="11096625" cy="2381250"/>
+          </a:xfrm>
+          <a:prstGeom prst="rect">
+            <a:avLst/>
+          </a:prstGeom>
+        </p:spPr>
+      </p:pic>
     </p:spTree>
     <p:extLst>
       <p:ext uri="{BB962C8B-B14F-4D97-AF65-F5344CB8AC3E}">
         <p14:creationId xmlns:p14="http://schemas.microsoft.com/office/powerpoint/2010/main" val="2550620909"/>
+      </p:ext>
+    </p:extLst>
+  </p:cSld>
+  <p:clrMapOvr>
+    <a:masterClrMapping/>
+  </p:clrMapOvr>
+</p:sld>
+</file>
+
+<file path=ppt/slides/slide29.xml><?xml version="1.0" encoding="utf-8"?>
+<p:sld xmlns:a="http://schemas.openxmlformats.org/drawingml/2006/main" xmlns:r="http://schemas.openxmlformats.org/officeDocument/2006/relationships" xmlns:p="http://schemas.openxmlformats.org/presentationml/2006/main">
+  <p:cSld>
+    <p:spTree>
+      <p:nvGrpSpPr>
+        <p:cNvPr id="1" name=""/>
+        <p:cNvGrpSpPr/>
+        <p:nvPr/>
+      </p:nvGrpSpPr>
+      <p:grpSpPr>
+        <a:xfrm>
+          <a:off x="0" y="0"/>
+          <a:ext cx="0" cy="0"/>
+          <a:chOff x="0" y="0"/>
+          <a:chExt cx="0" cy="0"/>
+        </a:xfrm>
+      </p:grpSpPr>
+      <p:sp>
+        <p:nvSpPr>
+          <p:cNvPr id="2" name="Başlık 1">
+            <a:extLst>
+              <a:ext uri="{FF2B5EF4-FFF2-40B4-BE49-F238E27FC236}">
+                <a16:creationId xmlns:a16="http://schemas.microsoft.com/office/drawing/2014/main" id="{EAA852A9-B50E-417C-A755-B457A0590FE8}"/>
+              </a:ext>
+            </a:extLst>
+          </p:cNvPr>
+          <p:cNvSpPr>
+            <a:spLocks noGrp="1"/>
+          </p:cNvSpPr>
+          <p:nvPr>
+            <p:ph type="title"/>
+          </p:nvPr>
+        </p:nvSpPr>
+        <p:spPr/>
+        <p:txBody>
+          <a:bodyPr/>
+          <a:lstStyle/>
+          <a:p>
+            <a:endParaRPr lang="en-US" dirty="0"/>
+          </a:p>
+        </p:txBody>
+      </p:sp>
+      <p:sp>
+        <p:nvSpPr>
+          <p:cNvPr id="3" name="İçerik Yer Tutucusu 2">
+            <a:extLst>
+              <a:ext uri="{FF2B5EF4-FFF2-40B4-BE49-F238E27FC236}">
+                <a16:creationId xmlns:a16="http://schemas.microsoft.com/office/drawing/2014/main" id="{E13DF935-30F8-4BFA-B37B-90EA74FBA2A6}"/>
+              </a:ext>
+            </a:extLst>
+          </p:cNvPr>
+          <p:cNvSpPr>
+            <a:spLocks noGrp="1"/>
+          </p:cNvSpPr>
+          <p:nvPr>
+            <p:ph idx="1"/>
+          </p:nvPr>
+        </p:nvSpPr>
+        <p:spPr/>
+        <p:txBody>
+          <a:bodyPr/>
+          <a:lstStyle/>
+          <a:p>
+            <a:r>
+              <a:rPr lang="tr-TR" dirty="0" err="1"/>
+              <a:t>XGBoostClassifier</a:t>
+            </a:r>
+            <a:r>
+              <a:rPr lang="tr-TR" dirty="0"/>
+              <a:t> ile </a:t>
+            </a:r>
+            <a:r>
+              <a:rPr lang="tr-TR" dirty="0" err="1"/>
+              <a:t>GradientBoostingden</a:t>
+            </a:r>
+            <a:r>
+              <a:rPr lang="tr-TR" dirty="0"/>
+              <a:t> daha iyi ve daha hızlı bir sonuç elde ettik.</a:t>
+            </a:r>
+            <a:endParaRPr lang="en-US" dirty="0"/>
+          </a:p>
+        </p:txBody>
+      </p:sp>
+    </p:spTree>
+    <p:extLst>
+      <p:ext uri="{BB962C8B-B14F-4D97-AF65-F5344CB8AC3E}">
+        <p14:creationId xmlns:p14="http://schemas.microsoft.com/office/powerpoint/2010/main" val="1422239442"/>
       </p:ext>
     </p:extLst>
   </p:cSld>

--- a/FeatureSelection.pptx
+++ b/FeatureSelection.pptx
@@ -9,31 +9,40 @@
     <p:sldId id="275" r:id="rId3"/>
     <p:sldId id="281" r:id="rId4"/>
     <p:sldId id="264" r:id="rId5"/>
-    <p:sldId id="258" r:id="rId6"/>
-    <p:sldId id="257" r:id="rId7"/>
-    <p:sldId id="259" r:id="rId8"/>
-    <p:sldId id="260" r:id="rId9"/>
-    <p:sldId id="261" r:id="rId10"/>
-    <p:sldId id="262" r:id="rId11"/>
-    <p:sldId id="278" r:id="rId12"/>
-    <p:sldId id="265" r:id="rId13"/>
-    <p:sldId id="266" r:id="rId14"/>
-    <p:sldId id="267" r:id="rId15"/>
-    <p:sldId id="268" r:id="rId16"/>
-    <p:sldId id="269" r:id="rId17"/>
-    <p:sldId id="270" r:id="rId18"/>
-    <p:sldId id="272" r:id="rId19"/>
-    <p:sldId id="273" r:id="rId20"/>
-    <p:sldId id="274" r:id="rId21"/>
-    <p:sldId id="276" r:id="rId22"/>
-    <p:sldId id="279" r:id="rId23"/>
-    <p:sldId id="280" r:id="rId24"/>
-    <p:sldId id="282" r:id="rId25"/>
-    <p:sldId id="283" r:id="rId26"/>
-    <p:sldId id="284" r:id="rId27"/>
-    <p:sldId id="285" r:id="rId28"/>
-    <p:sldId id="286" r:id="rId29"/>
-    <p:sldId id="287" r:id="rId30"/>
+    <p:sldId id="290" r:id="rId6"/>
+    <p:sldId id="291" r:id="rId7"/>
+    <p:sldId id="279" r:id="rId8"/>
+    <p:sldId id="292" r:id="rId9"/>
+    <p:sldId id="294" r:id="rId10"/>
+    <p:sldId id="295" r:id="rId11"/>
+    <p:sldId id="257" r:id="rId12"/>
+    <p:sldId id="259" r:id="rId13"/>
+    <p:sldId id="260" r:id="rId14"/>
+    <p:sldId id="262" r:id="rId15"/>
+    <p:sldId id="261" r:id="rId16"/>
+    <p:sldId id="296" r:id="rId17"/>
+    <p:sldId id="297" r:id="rId18"/>
+    <p:sldId id="299" r:id="rId19"/>
+    <p:sldId id="300" r:id="rId20"/>
+    <p:sldId id="265" r:id="rId21"/>
+    <p:sldId id="266" r:id="rId22"/>
+    <p:sldId id="267" r:id="rId23"/>
+    <p:sldId id="268" r:id="rId24"/>
+    <p:sldId id="269" r:id="rId25"/>
+    <p:sldId id="270" r:id="rId26"/>
+    <p:sldId id="273" r:id="rId27"/>
+    <p:sldId id="274" r:id="rId28"/>
+    <p:sldId id="276" r:id="rId29"/>
+    <p:sldId id="288" r:id="rId30"/>
+    <p:sldId id="282" r:id="rId31"/>
+    <p:sldId id="283" r:id="rId32"/>
+    <p:sldId id="301" r:id="rId33"/>
+    <p:sldId id="284" r:id="rId34"/>
+    <p:sldId id="285" r:id="rId35"/>
+    <p:sldId id="286" r:id="rId36"/>
+    <p:sldId id="287" r:id="rId37"/>
+    <p:sldId id="303" r:id="rId38"/>
+    <p:sldId id="302" r:id="rId39"/>
   </p:sldIdLst>
   <p:sldSz cx="12192000" cy="6858000"/>
   <p:notesSz cx="6858000" cy="9144000"/>
@@ -3488,7 +3497,7 @@
           <p:cNvPr id="2" name="Başlık 1">
             <a:extLst>
               <a:ext uri="{FF2B5EF4-FFF2-40B4-BE49-F238E27FC236}">
-                <a16:creationId xmlns:a16="http://schemas.microsoft.com/office/drawing/2014/main" id="{D35C0690-45A4-4128-8FD7-47D18761360E}"/>
+                <a16:creationId xmlns:a16="http://schemas.microsoft.com/office/drawing/2014/main" id="{68D7E580-252A-4322-A036-43820264D76F}"/>
               </a:ext>
             </a:extLst>
           </p:cNvPr>
@@ -3504,49 +3513,51 @@
           <a:bodyPr/>
           <a:lstStyle/>
           <a:p>
+            <a:r>
+              <a:rPr lang="tr-TR" dirty="0"/>
+              <a:t>Benzer </a:t>
+            </a:r>
+            <a:r>
+              <a:rPr lang="tr-TR" dirty="0" err="1"/>
+              <a:t>featureları</a:t>
+            </a:r>
+            <a:r>
+              <a:rPr lang="tr-TR" dirty="0"/>
+              <a:t> tespit etmeye çalıştık</a:t>
+            </a:r>
+            <a:endParaRPr lang="en-US" dirty="0"/>
+          </a:p>
+        </p:txBody>
+      </p:sp>
+      <p:sp>
+        <p:nvSpPr>
+          <p:cNvPr id="3" name="İçerik Yer Tutucusu 2">
+            <a:extLst>
+              <a:ext uri="{FF2B5EF4-FFF2-40B4-BE49-F238E27FC236}">
+                <a16:creationId xmlns:a16="http://schemas.microsoft.com/office/drawing/2014/main" id="{094767A3-80C1-483A-B2E0-D951C412EECD}"/>
+              </a:ext>
+            </a:extLst>
+          </p:cNvPr>
+          <p:cNvSpPr>
+            <a:spLocks noGrp="1"/>
+          </p:cNvSpPr>
+          <p:nvPr>
+            <p:ph idx="1"/>
+          </p:nvPr>
+        </p:nvSpPr>
+        <p:spPr/>
+        <p:txBody>
+          <a:bodyPr/>
+          <a:lstStyle/>
+          <a:p>
             <a:endParaRPr lang="en-US"/>
           </a:p>
         </p:txBody>
       </p:sp>
-      <p:pic>
-        <p:nvPicPr>
-          <p:cNvPr id="5" name="İçerik Yer Tutucusu 4" descr="ekran görüntüsü içeren bir resim&#10;&#10;Açıklama otomatik olarak oluşturuldu">
-            <a:extLst>
-              <a:ext uri="{FF2B5EF4-FFF2-40B4-BE49-F238E27FC236}">
-                <a16:creationId xmlns:a16="http://schemas.microsoft.com/office/drawing/2014/main" id="{0743C727-A97B-41D3-B514-B1C7EBB3A925}"/>
-              </a:ext>
-            </a:extLst>
-          </p:cNvPr>
-          <p:cNvPicPr>
-            <a:picLocks noGrp="1" noChangeAspect="1"/>
-          </p:cNvPicPr>
-          <p:nvPr>
-            <p:ph idx="1"/>
-          </p:nvPr>
-        </p:nvPicPr>
-        <p:blipFill>
-          <a:blip r:embed="rId2">
-            <a:extLst>
-              <a:ext uri="{28A0092B-C50C-407E-A947-70E740481C1C}">
-                <a14:useLocalDpi xmlns:a14="http://schemas.microsoft.com/office/drawing/2010/main" val="0"/>
-              </a:ext>
-            </a:extLst>
-          </a:blip>
-          <a:stretch>
-            <a:fillRect/>
-          </a:stretch>
-        </p:blipFill>
-        <p:spPr>
-          <a:xfrm>
-            <a:off x="1319388" y="1280859"/>
-            <a:ext cx="9553224" cy="4296282"/>
-          </a:xfrm>
-        </p:spPr>
-      </p:pic>
     </p:spTree>
     <p:extLst>
       <p:ext uri="{BB962C8B-B14F-4D97-AF65-F5344CB8AC3E}">
-        <p14:creationId xmlns:p14="http://schemas.microsoft.com/office/powerpoint/2010/main" val="136885080"/>
+        <p14:creationId xmlns:p14="http://schemas.microsoft.com/office/powerpoint/2010/main" val="3801663861"/>
       </p:ext>
     </p:extLst>
   </p:cSld>
@@ -3578,7 +3589,7 @@
           <p:cNvPr id="2" name="Başlık 1">
             <a:extLst>
               <a:ext uri="{FF2B5EF4-FFF2-40B4-BE49-F238E27FC236}">
-                <a16:creationId xmlns:a16="http://schemas.microsoft.com/office/drawing/2014/main" id="{B39B329C-209A-4986-91C4-35BB5E3578FA}"/>
+                <a16:creationId xmlns:a16="http://schemas.microsoft.com/office/drawing/2014/main" id="{DB882EE9-9DDB-425B-9E45-4E353F5587EE}"/>
               </a:ext>
             </a:extLst>
           </p:cNvPr>
@@ -3594,28 +3605,16 @@
           <a:bodyPr/>
           <a:lstStyle/>
           <a:p>
-            <a:r>
-              <a:rPr lang="tr-TR" dirty="0"/>
-              <a:t>Bazı </a:t>
-            </a:r>
-            <a:r>
-              <a:rPr lang="tr-TR" dirty="0" err="1"/>
-              <a:t>featureların</a:t>
-            </a:r>
-            <a:r>
-              <a:rPr lang="tr-TR" dirty="0"/>
-              <a:t> silinmesi</a:t>
-            </a:r>
             <a:endParaRPr lang="en-US" dirty="0"/>
           </a:p>
         </p:txBody>
       </p:sp>
       <p:pic>
         <p:nvPicPr>
-          <p:cNvPr id="5" name="İçerik Yer Tutucusu 4" descr="ekran, oturma, portakal, saat içeren bir resim&#10;&#10;Açıklama otomatik olarak oluşturuldu">
-            <a:extLst>
-              <a:ext uri="{FF2B5EF4-FFF2-40B4-BE49-F238E27FC236}">
-                <a16:creationId xmlns:a16="http://schemas.microsoft.com/office/drawing/2014/main" id="{DD404CC2-6ADD-476B-972E-F9C22437CE2F}"/>
+          <p:cNvPr id="5" name="İçerik Yer Tutucusu 4" descr="ekran görüntüsü içeren bir resim&#10;&#10;Açıklama otomatik olarak oluşturuldu">
+            <a:extLst>
+              <a:ext uri="{FF2B5EF4-FFF2-40B4-BE49-F238E27FC236}">
+                <a16:creationId xmlns:a16="http://schemas.microsoft.com/office/drawing/2014/main" id="{0D1E895D-60C9-432D-A701-C1759BF94C72}"/>
               </a:ext>
             </a:extLst>
           </p:cNvPr>
@@ -3640,15 +3639,15 @@
         </p:blipFill>
         <p:spPr>
           <a:xfrm>
-            <a:off x="1016674" y="3199679"/>
-            <a:ext cx="8399252" cy="1325563"/>
+            <a:off x="1284245" y="1887162"/>
+            <a:ext cx="9623509" cy="3763383"/>
           </a:xfrm>
         </p:spPr>
       </p:pic>
     </p:spTree>
     <p:extLst>
       <p:ext uri="{BB962C8B-B14F-4D97-AF65-F5344CB8AC3E}">
-        <p14:creationId xmlns:p14="http://schemas.microsoft.com/office/powerpoint/2010/main" val="4000265855"/>
+        <p14:creationId xmlns:p14="http://schemas.microsoft.com/office/powerpoint/2010/main" val="1850964434"/>
       </p:ext>
     </p:extLst>
   </p:cSld>
@@ -3680,7 +3679,7 @@
           <p:cNvPr id="2" name="Başlık 1">
             <a:extLst>
               <a:ext uri="{FF2B5EF4-FFF2-40B4-BE49-F238E27FC236}">
-                <a16:creationId xmlns:a16="http://schemas.microsoft.com/office/drawing/2014/main" id="{40594B3C-A968-4F03-9740-5FBEC8F57B4F}"/>
+                <a16:creationId xmlns:a16="http://schemas.microsoft.com/office/drawing/2014/main" id="{17B80337-50B6-4091-BE59-FC34EDBBF8A7}"/>
               </a:ext>
             </a:extLst>
           </p:cNvPr>
@@ -3696,32 +3695,16 @@
           <a:bodyPr/>
           <a:lstStyle/>
           <a:p>
-            <a:r>
-              <a:rPr lang="tr-TR" dirty="0" err="1"/>
-              <a:t>Değikenlerin</a:t>
-            </a:r>
-            <a:r>
-              <a:rPr lang="tr-TR" dirty="0"/>
-              <a:t> </a:t>
-            </a:r>
-            <a:r>
-              <a:rPr lang="tr-TR" dirty="0" err="1"/>
-              <a:t>Labellara</a:t>
-            </a:r>
-            <a:r>
-              <a:rPr lang="tr-TR" dirty="0"/>
-              <a:t> olan etkisinin incelenmesi</a:t>
-            </a:r>
-            <a:endParaRPr lang="en-US" dirty="0"/>
+            <a:endParaRPr lang="en-US"/>
           </a:p>
         </p:txBody>
       </p:sp>
       <p:pic>
         <p:nvPicPr>
-          <p:cNvPr id="5" name="İçerik Yer Tutucusu 4" descr="ekran görüntüsü içeren bir resim&#10;&#10;Açıklama otomatik olarak oluşturuldu">
-            <a:extLst>
-              <a:ext uri="{FF2B5EF4-FFF2-40B4-BE49-F238E27FC236}">
-                <a16:creationId xmlns:a16="http://schemas.microsoft.com/office/drawing/2014/main" id="{93B223BE-DBFD-49C4-8643-89FEB67EBA5C}"/>
+          <p:cNvPr id="5" name="İçerik Yer Tutucusu 4" descr="ekran görüntüsü, telefon içeren bir resim&#10;&#10;Açıklama otomatik olarak oluşturuldu">
+            <a:extLst>
+              <a:ext uri="{FF2B5EF4-FFF2-40B4-BE49-F238E27FC236}">
+                <a16:creationId xmlns:a16="http://schemas.microsoft.com/office/drawing/2014/main" id="{B7A3271A-F7F9-42B3-B343-DA4AE8C5CD8F}"/>
               </a:ext>
             </a:extLst>
           </p:cNvPr>
@@ -3746,15 +3729,15 @@
         </p:blipFill>
         <p:spPr>
           <a:xfrm>
-            <a:off x="940911" y="1690688"/>
-            <a:ext cx="10629899" cy="4486275"/>
+            <a:off x="1297086" y="1690688"/>
+            <a:ext cx="9597828" cy="4545532"/>
           </a:xfrm>
         </p:spPr>
       </p:pic>
     </p:spTree>
     <p:extLst>
       <p:ext uri="{BB962C8B-B14F-4D97-AF65-F5344CB8AC3E}">
-        <p14:creationId xmlns:p14="http://schemas.microsoft.com/office/powerpoint/2010/main" val="3204723640"/>
+        <p14:creationId xmlns:p14="http://schemas.microsoft.com/office/powerpoint/2010/main" val="752941234"/>
       </p:ext>
     </p:extLst>
   </p:cSld>
@@ -3786,7 +3769,7 @@
           <p:cNvPr id="2" name="Başlık 1">
             <a:extLst>
               <a:ext uri="{FF2B5EF4-FFF2-40B4-BE49-F238E27FC236}">
-                <a16:creationId xmlns:a16="http://schemas.microsoft.com/office/drawing/2014/main" id="{5178C96A-2959-431E-A7EA-8A36CE35760A}"/>
+                <a16:creationId xmlns:a16="http://schemas.microsoft.com/office/drawing/2014/main" id="{F672CDEF-E141-439E-92FF-E1D27D06DD50}"/>
               </a:ext>
             </a:extLst>
           </p:cNvPr>
@@ -3811,7 +3794,7 @@
           <p:cNvPr id="5" name="İçerik Yer Tutucusu 4" descr="ekran görüntüsü içeren bir resim&#10;&#10;Açıklama otomatik olarak oluşturuldu">
             <a:extLst>
               <a:ext uri="{FF2B5EF4-FFF2-40B4-BE49-F238E27FC236}">
-                <a16:creationId xmlns:a16="http://schemas.microsoft.com/office/drawing/2014/main" id="{62A5AFEC-12EF-4F03-A188-E0A87E245EFA}"/>
+                <a16:creationId xmlns:a16="http://schemas.microsoft.com/office/drawing/2014/main" id="{36FB3733-B554-400D-ABBC-7E430B16BC97}"/>
               </a:ext>
             </a:extLst>
           </p:cNvPr>
@@ -3836,15 +3819,15 @@
         </p:blipFill>
         <p:spPr>
           <a:xfrm>
-            <a:off x="942216" y="1825625"/>
-            <a:ext cx="10307568" cy="4351338"/>
+            <a:off x="845966" y="1894680"/>
+            <a:ext cx="10507834" cy="4065247"/>
           </a:xfrm>
         </p:spPr>
       </p:pic>
     </p:spTree>
     <p:extLst>
       <p:ext uri="{BB962C8B-B14F-4D97-AF65-F5344CB8AC3E}">
-        <p14:creationId xmlns:p14="http://schemas.microsoft.com/office/powerpoint/2010/main" val="3591336311"/>
+        <p14:creationId xmlns:p14="http://schemas.microsoft.com/office/powerpoint/2010/main" val="3925549399"/>
       </p:ext>
     </p:extLst>
   </p:cSld>
@@ -3876,7 +3859,7 @@
           <p:cNvPr id="2" name="Başlık 1">
             <a:extLst>
               <a:ext uri="{FF2B5EF4-FFF2-40B4-BE49-F238E27FC236}">
-                <a16:creationId xmlns:a16="http://schemas.microsoft.com/office/drawing/2014/main" id="{A27755AE-EFFB-481E-9729-1A8ED26B117C}"/>
+                <a16:creationId xmlns:a16="http://schemas.microsoft.com/office/drawing/2014/main" id="{D35C0690-45A4-4128-8FD7-47D18761360E}"/>
               </a:ext>
             </a:extLst>
           </p:cNvPr>
@@ -3901,7 +3884,7 @@
           <p:cNvPr id="5" name="İçerik Yer Tutucusu 4" descr="ekran görüntüsü içeren bir resim&#10;&#10;Açıklama otomatik olarak oluşturuldu">
             <a:extLst>
               <a:ext uri="{FF2B5EF4-FFF2-40B4-BE49-F238E27FC236}">
-                <a16:creationId xmlns:a16="http://schemas.microsoft.com/office/drawing/2014/main" id="{91472CD0-D647-49CF-B162-1067AC5FD253}"/>
+                <a16:creationId xmlns:a16="http://schemas.microsoft.com/office/drawing/2014/main" id="{0743C727-A97B-41D3-B514-B1C7EBB3A925}"/>
               </a:ext>
             </a:extLst>
           </p:cNvPr>
@@ -3926,15 +3909,15 @@
         </p:blipFill>
         <p:spPr>
           <a:xfrm>
-            <a:off x="1070605" y="1825625"/>
-            <a:ext cx="10050789" cy="4351338"/>
+            <a:off x="1319388" y="1280859"/>
+            <a:ext cx="9553224" cy="4296282"/>
           </a:xfrm>
         </p:spPr>
       </p:pic>
     </p:spTree>
     <p:extLst>
       <p:ext uri="{BB962C8B-B14F-4D97-AF65-F5344CB8AC3E}">
-        <p14:creationId xmlns:p14="http://schemas.microsoft.com/office/powerpoint/2010/main" val="2789453992"/>
+        <p14:creationId xmlns:p14="http://schemas.microsoft.com/office/powerpoint/2010/main" val="136885080"/>
       </p:ext>
     </p:extLst>
   </p:cSld>
@@ -3966,7 +3949,7 @@
           <p:cNvPr id="2" name="Başlık 1">
             <a:extLst>
               <a:ext uri="{FF2B5EF4-FFF2-40B4-BE49-F238E27FC236}">
-                <a16:creationId xmlns:a16="http://schemas.microsoft.com/office/drawing/2014/main" id="{D8573B50-04BD-448C-BB6A-600586F0F1D2}"/>
+                <a16:creationId xmlns:a16="http://schemas.microsoft.com/office/drawing/2014/main" id="{7E4FA331-6A62-49CC-B075-D700A7DA4AEC}"/>
               </a:ext>
             </a:extLst>
           </p:cNvPr>
@@ -3991,7 +3974,7 @@
           <p:cNvPr id="5" name="İçerik Yer Tutucusu 4" descr="ekran görüntüsü içeren bir resim&#10;&#10;Açıklama otomatik olarak oluşturuldu">
             <a:extLst>
               <a:ext uri="{FF2B5EF4-FFF2-40B4-BE49-F238E27FC236}">
-                <a16:creationId xmlns:a16="http://schemas.microsoft.com/office/drawing/2014/main" id="{C61576EA-ADD3-426E-B53C-0F972228375D}"/>
+                <a16:creationId xmlns:a16="http://schemas.microsoft.com/office/drawing/2014/main" id="{38BB0925-6D0E-4C29-A528-D54D92830973}"/>
               </a:ext>
             </a:extLst>
           </p:cNvPr>
@@ -4016,15 +3999,15 @@
         </p:blipFill>
         <p:spPr>
           <a:xfrm>
-            <a:off x="900422" y="1825625"/>
-            <a:ext cx="10391155" cy="4351338"/>
+            <a:off x="838200" y="1915896"/>
+            <a:ext cx="11046896" cy="3734767"/>
           </a:xfrm>
         </p:spPr>
       </p:pic>
     </p:spTree>
     <p:extLst>
       <p:ext uri="{BB962C8B-B14F-4D97-AF65-F5344CB8AC3E}">
-        <p14:creationId xmlns:p14="http://schemas.microsoft.com/office/powerpoint/2010/main" val="3478378968"/>
+        <p14:creationId xmlns:p14="http://schemas.microsoft.com/office/powerpoint/2010/main" val="225921234"/>
       </p:ext>
     </p:extLst>
   </p:cSld>
@@ -4056,7 +4039,7 @@
           <p:cNvPr id="2" name="Başlık 1">
             <a:extLst>
               <a:ext uri="{FF2B5EF4-FFF2-40B4-BE49-F238E27FC236}">
-                <a16:creationId xmlns:a16="http://schemas.microsoft.com/office/drawing/2014/main" id="{3F71D686-53F3-4CEE-A654-E00F693F8C19}"/>
+                <a16:creationId xmlns:a16="http://schemas.microsoft.com/office/drawing/2014/main" id="{8441D4EE-53F6-423B-9AFF-67AA5D2BDF49}"/>
               </a:ext>
             </a:extLst>
           </p:cNvPr>
@@ -4078,10 +4061,10 @@
       </p:sp>
       <p:pic>
         <p:nvPicPr>
-          <p:cNvPr id="5" name="İçerik Yer Tutucusu 4" descr="ekran görüntüsü içeren bir resim&#10;&#10;Açıklama otomatik olarak oluşturuldu">
-            <a:extLst>
-              <a:ext uri="{FF2B5EF4-FFF2-40B4-BE49-F238E27FC236}">
-                <a16:creationId xmlns:a16="http://schemas.microsoft.com/office/drawing/2014/main" id="{85ED9232-8790-4295-99A6-810844884153}"/>
+          <p:cNvPr id="5" name="İçerik Yer Tutucusu 4">
+            <a:extLst>
+              <a:ext uri="{FF2B5EF4-FFF2-40B4-BE49-F238E27FC236}">
+                <a16:creationId xmlns:a16="http://schemas.microsoft.com/office/drawing/2014/main" id="{25548832-C443-4D65-9DB7-ECAEE057A23C}"/>
               </a:ext>
             </a:extLst>
           </p:cNvPr>
@@ -4093,28 +4076,52 @@
           </p:nvPr>
         </p:nvPicPr>
         <p:blipFill>
-          <a:blip r:embed="rId2">
-            <a:extLst>
-              <a:ext uri="{28A0092B-C50C-407E-A947-70E740481C1C}">
-                <a14:useLocalDpi xmlns:a14="http://schemas.microsoft.com/office/drawing/2010/main" val="0"/>
-              </a:ext>
-            </a:extLst>
-          </a:blip>
+          <a:blip r:embed="rId2"/>
           <a:stretch>
             <a:fillRect/>
           </a:stretch>
         </p:blipFill>
         <p:spPr>
           <a:xfrm>
-            <a:off x="991674" y="1825625"/>
-            <a:ext cx="10208652" cy="4351338"/>
+            <a:off x="2154923" y="2012825"/>
+            <a:ext cx="7882153" cy="682249"/>
           </a:xfrm>
+        </p:spPr>
+      </p:pic>
+      <p:pic>
+        <p:nvPicPr>
+          <p:cNvPr id="7" name="Resim 6">
+            <a:extLst>
+              <a:ext uri="{FF2B5EF4-FFF2-40B4-BE49-F238E27FC236}">
+                <a16:creationId xmlns:a16="http://schemas.microsoft.com/office/drawing/2014/main" id="{D4FAB2AC-48F4-46F5-BC42-0ECF9C5A11FF}"/>
+              </a:ext>
+            </a:extLst>
+          </p:cNvPr>
+          <p:cNvPicPr>
+            <a:picLocks noChangeAspect="1"/>
+          </p:cNvPicPr>
+          <p:nvPr/>
+        </p:nvPicPr>
+        <p:blipFill>
+          <a:blip r:embed="rId3"/>
+          <a:stretch>
+            <a:fillRect/>
+          </a:stretch>
+        </p:blipFill>
+        <p:spPr>
+          <a:xfrm>
+            <a:off x="2154923" y="3238499"/>
+            <a:ext cx="7692346" cy="682248"/>
+          </a:xfrm>
+          <a:prstGeom prst="rect">
+            <a:avLst/>
+          </a:prstGeom>
         </p:spPr>
       </p:pic>
     </p:spTree>
     <p:extLst>
       <p:ext uri="{BB962C8B-B14F-4D97-AF65-F5344CB8AC3E}">
-        <p14:creationId xmlns:p14="http://schemas.microsoft.com/office/powerpoint/2010/main" val="2649703651"/>
+        <p14:creationId xmlns:p14="http://schemas.microsoft.com/office/powerpoint/2010/main" val="247091753"/>
       </p:ext>
     </p:extLst>
   </p:cSld>
@@ -4146,7 +4153,7 @@
           <p:cNvPr id="2" name="Başlık 1">
             <a:extLst>
               <a:ext uri="{FF2B5EF4-FFF2-40B4-BE49-F238E27FC236}">
-                <a16:creationId xmlns:a16="http://schemas.microsoft.com/office/drawing/2014/main" id="{0DDAE8D7-88B8-4E29-B63C-1E124BDE8D8B}"/>
+                <a16:creationId xmlns:a16="http://schemas.microsoft.com/office/drawing/2014/main" id="{2CFB5FB2-62D6-43A6-9385-EE89B8E02BC9}"/>
               </a:ext>
             </a:extLst>
           </p:cNvPr>
@@ -4168,10 +4175,10 @@
       </p:sp>
       <p:pic>
         <p:nvPicPr>
-          <p:cNvPr id="5" name="İçerik Yer Tutucusu 4" descr="ekran görüntüsü içeren bir resim&#10;&#10;Açıklama otomatik olarak oluşturuldu">
-            <a:extLst>
-              <a:ext uri="{FF2B5EF4-FFF2-40B4-BE49-F238E27FC236}">
-                <a16:creationId xmlns:a16="http://schemas.microsoft.com/office/drawing/2014/main" id="{1B82B427-622C-4031-AED6-F6AC9DE43591}"/>
+          <p:cNvPr id="5" name="İçerik Yer Tutucusu 4">
+            <a:extLst>
+              <a:ext uri="{FF2B5EF4-FFF2-40B4-BE49-F238E27FC236}">
+                <a16:creationId xmlns:a16="http://schemas.microsoft.com/office/drawing/2014/main" id="{642CD568-5F2F-4CCC-868E-5BAE7876C4DC}"/>
               </a:ext>
             </a:extLst>
           </p:cNvPr>
@@ -4183,28 +4190,22 @@
           </p:nvPr>
         </p:nvPicPr>
         <p:blipFill>
-          <a:blip r:embed="rId2">
-            <a:extLst>
-              <a:ext uri="{28A0092B-C50C-407E-A947-70E740481C1C}">
-                <a14:useLocalDpi xmlns:a14="http://schemas.microsoft.com/office/drawing/2010/main" val="0"/>
-              </a:ext>
-            </a:extLst>
-          </a:blip>
+          <a:blip r:embed="rId2"/>
           <a:stretch>
             <a:fillRect/>
           </a:stretch>
         </p:blipFill>
         <p:spPr>
           <a:xfrm>
-            <a:off x="994893" y="1825625"/>
-            <a:ext cx="10202214" cy="4351338"/>
+            <a:off x="3154383" y="1825625"/>
+            <a:ext cx="5883234" cy="4351338"/>
           </a:xfrm>
         </p:spPr>
       </p:pic>
     </p:spTree>
     <p:extLst>
       <p:ext uri="{BB962C8B-B14F-4D97-AF65-F5344CB8AC3E}">
-        <p14:creationId xmlns:p14="http://schemas.microsoft.com/office/powerpoint/2010/main" val="663172770"/>
+        <p14:creationId xmlns:p14="http://schemas.microsoft.com/office/powerpoint/2010/main" val="3479213580"/>
       </p:ext>
     </p:extLst>
   </p:cSld>
@@ -4236,7 +4237,7 @@
           <p:cNvPr id="2" name="Başlık 1">
             <a:extLst>
               <a:ext uri="{FF2B5EF4-FFF2-40B4-BE49-F238E27FC236}">
-                <a16:creationId xmlns:a16="http://schemas.microsoft.com/office/drawing/2014/main" id="{A9227A55-F8EE-4806-8F0E-BFD53BB3E6A4}"/>
+                <a16:creationId xmlns:a16="http://schemas.microsoft.com/office/drawing/2014/main" id="{8C931185-8049-496D-8B17-28D6E05CD460}"/>
               </a:ext>
             </a:extLst>
           </p:cNvPr>
@@ -4245,6 +4246,43 @@
           </p:cNvSpPr>
           <p:nvPr>
             <p:ph type="title"/>
+          </p:nvPr>
+        </p:nvSpPr>
+        <p:spPr/>
+        <p:txBody>
+          <a:bodyPr/>
+          <a:lstStyle/>
+          <a:p>
+            <a:r>
+              <a:rPr lang="tr-TR" dirty="0"/>
+              <a:t>Büyük-küçük harfi </a:t>
+            </a:r>
+            <a:r>
+              <a:rPr lang="tr-TR" dirty="0" err="1"/>
+              <a:t>fixledik</a:t>
+            </a:r>
+            <a:r>
+              <a:rPr lang="tr-TR" dirty="0"/>
+              <a:t>.</a:t>
+            </a:r>
+            <a:endParaRPr lang="en-US" dirty="0"/>
+          </a:p>
+        </p:txBody>
+      </p:sp>
+      <p:sp>
+        <p:nvSpPr>
+          <p:cNvPr id="3" name="İçerik Yer Tutucusu 2">
+            <a:extLst>
+              <a:ext uri="{FF2B5EF4-FFF2-40B4-BE49-F238E27FC236}">
+                <a16:creationId xmlns:a16="http://schemas.microsoft.com/office/drawing/2014/main" id="{C92ECB60-8ADD-40B1-A35E-24B220FA40A5}"/>
+              </a:ext>
+            </a:extLst>
+          </p:cNvPr>
+          <p:cNvSpPr>
+            <a:spLocks noGrp="1"/>
+          </p:cNvSpPr>
+          <p:nvPr>
+            <p:ph idx="1"/>
           </p:nvPr>
         </p:nvSpPr>
         <p:spPr/>
@@ -4258,43 +4296,38 @@
       </p:sp>
       <p:pic>
         <p:nvPicPr>
-          <p:cNvPr id="5" name="İçerik Yer Tutucusu 4" descr="ekran görüntüsü içeren bir resim&#10;&#10;Açıklama otomatik olarak oluşturuldu">
-            <a:extLst>
-              <a:ext uri="{FF2B5EF4-FFF2-40B4-BE49-F238E27FC236}">
-                <a16:creationId xmlns:a16="http://schemas.microsoft.com/office/drawing/2014/main" id="{FBFEA8EC-085E-4B33-BC16-189CAC43C886}"/>
+          <p:cNvPr id="5" name="Resim 4">
+            <a:extLst>
+              <a:ext uri="{FF2B5EF4-FFF2-40B4-BE49-F238E27FC236}">
+                <a16:creationId xmlns:a16="http://schemas.microsoft.com/office/drawing/2014/main" id="{65000260-E21D-41BD-813F-02141BAD3272}"/>
               </a:ext>
             </a:extLst>
           </p:cNvPr>
           <p:cNvPicPr>
-            <a:picLocks noGrp="1" noChangeAspect="1"/>
+            <a:picLocks noChangeAspect="1"/>
           </p:cNvPicPr>
-          <p:nvPr>
-            <p:ph idx="1"/>
-          </p:nvPr>
+          <p:nvPr/>
         </p:nvPicPr>
         <p:blipFill>
-          <a:blip r:embed="rId2">
-            <a:extLst>
-              <a:ext uri="{28A0092B-C50C-407E-A947-70E740481C1C}">
-                <a14:useLocalDpi xmlns:a14="http://schemas.microsoft.com/office/drawing/2010/main" val="0"/>
-              </a:ext>
-            </a:extLst>
-          </a:blip>
+          <a:blip r:embed="rId2"/>
           <a:stretch>
             <a:fillRect/>
           </a:stretch>
         </p:blipFill>
         <p:spPr>
           <a:xfrm>
-            <a:off x="2715128" y="411073"/>
-            <a:ext cx="6308556" cy="6035853"/>
+            <a:off x="1916028" y="2178091"/>
+            <a:ext cx="7701929" cy="2501817"/>
           </a:xfrm>
+          <a:prstGeom prst="rect">
+            <a:avLst/>
+          </a:prstGeom>
         </p:spPr>
       </p:pic>
     </p:spTree>
     <p:extLst>
       <p:ext uri="{BB962C8B-B14F-4D97-AF65-F5344CB8AC3E}">
-        <p14:creationId xmlns:p14="http://schemas.microsoft.com/office/powerpoint/2010/main" val="899437822"/>
+        <p14:creationId xmlns:p14="http://schemas.microsoft.com/office/powerpoint/2010/main" val="482000184"/>
       </p:ext>
     </p:extLst>
   </p:cSld>
@@ -4326,7 +4359,7 @@
           <p:cNvPr id="2" name="Başlık 1">
             <a:extLst>
               <a:ext uri="{FF2B5EF4-FFF2-40B4-BE49-F238E27FC236}">
-                <a16:creationId xmlns:a16="http://schemas.microsoft.com/office/drawing/2014/main" id="{A19061F0-CB26-4730-B0FC-52012F176296}"/>
+                <a16:creationId xmlns:a16="http://schemas.microsoft.com/office/drawing/2014/main" id="{631F568E-8F67-4B49-9C09-D8AF4748D7BC}"/>
               </a:ext>
             </a:extLst>
           </p:cNvPr>
@@ -4342,16 +4375,16 @@
           <a:bodyPr/>
           <a:lstStyle/>
           <a:p>
-            <a:endParaRPr lang="en-US"/>
+            <a:endParaRPr lang="en-US" dirty="0"/>
           </a:p>
         </p:txBody>
       </p:sp>
       <p:pic>
         <p:nvPicPr>
-          <p:cNvPr id="5" name="İçerik Yer Tutucusu 4" descr="ekran görüntüsü içeren bir resim&#10;&#10;Açıklama otomatik olarak oluşturuldu">
-            <a:extLst>
-              <a:ext uri="{FF2B5EF4-FFF2-40B4-BE49-F238E27FC236}">
-                <a16:creationId xmlns:a16="http://schemas.microsoft.com/office/drawing/2014/main" id="{732108F2-FF0E-4114-A448-A3F9730428FA}"/>
+          <p:cNvPr id="5" name="İçerik Yer Tutucusu 4">
+            <a:extLst>
+              <a:ext uri="{FF2B5EF4-FFF2-40B4-BE49-F238E27FC236}">
+                <a16:creationId xmlns:a16="http://schemas.microsoft.com/office/drawing/2014/main" id="{FAEE3EA4-ABCA-4E3D-81C3-77E90C16EC5F}"/>
               </a:ext>
             </a:extLst>
           </p:cNvPr>
@@ -4363,28 +4396,94 @@
           </p:nvPr>
         </p:nvPicPr>
         <p:blipFill>
-          <a:blip r:embed="rId2">
-            <a:extLst>
-              <a:ext uri="{28A0092B-C50C-407E-A947-70E740481C1C}">
-                <a14:useLocalDpi xmlns:a14="http://schemas.microsoft.com/office/drawing/2010/main" val="0"/>
-              </a:ext>
-            </a:extLst>
-          </a:blip>
+          <a:blip r:embed="rId2"/>
           <a:stretch>
             <a:fillRect/>
           </a:stretch>
         </p:blipFill>
         <p:spPr>
           <a:xfrm>
-            <a:off x="940912" y="1825625"/>
-            <a:ext cx="10310176" cy="4351338"/>
+            <a:off x="3365584" y="483756"/>
+            <a:ext cx="5460832" cy="4015318"/>
           </a:xfrm>
         </p:spPr>
       </p:pic>
+      <p:sp>
+        <p:nvSpPr>
+          <p:cNvPr id="6" name="Metin kutusu 5">
+            <a:extLst>
+              <a:ext uri="{FF2B5EF4-FFF2-40B4-BE49-F238E27FC236}">
+                <a16:creationId xmlns:a16="http://schemas.microsoft.com/office/drawing/2014/main" id="{7BE76EFC-393D-4DEF-ACE5-9308BC4A9564}"/>
+              </a:ext>
+            </a:extLst>
+          </p:cNvPr>
+          <p:cNvSpPr txBox="1"/>
+          <p:nvPr/>
+        </p:nvSpPr>
+        <p:spPr>
+          <a:xfrm>
+            <a:off x="838200" y="4780547"/>
+            <a:ext cx="9653337" cy="646331"/>
+          </a:xfrm>
+          <a:prstGeom prst="rect">
+            <a:avLst/>
+          </a:prstGeom>
+          <a:noFill/>
+        </p:spPr>
+        <p:txBody>
+          <a:bodyPr wrap="square" rtlCol="0">
+            <a:spAutoFit/>
+          </a:bodyPr>
+          <a:lstStyle/>
+          <a:p>
+            <a:r>
+              <a:rPr lang="tr-TR" dirty="0" err="1"/>
+              <a:t>Funder</a:t>
+            </a:r>
+            <a:r>
+              <a:rPr lang="tr-TR" dirty="0"/>
+              <a:t> </a:t>
+            </a:r>
+            <a:r>
+              <a:rPr lang="tr-TR" dirty="0" err="1"/>
+              <a:t>columnını</a:t>
+            </a:r>
+            <a:r>
+              <a:rPr lang="tr-TR" dirty="0"/>
+              <a:t> </a:t>
+            </a:r>
+            <a:r>
+              <a:rPr lang="tr-TR" dirty="0" err="1"/>
+              <a:t>droplamadan</a:t>
+            </a:r>
+            <a:r>
+              <a:rPr lang="tr-TR" dirty="0"/>
+              <a:t> önce bilgi elde edebilir miyiz diye denedik. Ancak denemelerimiz güzel sonuç vermedi. Benzer şeyi </a:t>
+            </a:r>
+            <a:r>
+              <a:rPr lang="tr-TR" dirty="0" err="1"/>
+              <a:t>installer</a:t>
+            </a:r>
+            <a:r>
+              <a:rPr lang="tr-TR" dirty="0"/>
+              <a:t>, ve </a:t>
+            </a:r>
+            <a:r>
+              <a:rPr lang="tr-TR" dirty="0" err="1"/>
+              <a:t>scheme_management</a:t>
+            </a:r>
+            <a:r>
+              <a:rPr lang="tr-TR" dirty="0"/>
+              <a:t> için de yaptık.</a:t>
+            </a:r>
+            <a:endParaRPr lang="en-US" dirty="0"/>
+          </a:p>
+        </p:txBody>
+      </p:sp>
     </p:spTree>
     <p:extLst>
       <p:ext uri="{BB962C8B-B14F-4D97-AF65-F5344CB8AC3E}">
-        <p14:creationId xmlns:p14="http://schemas.microsoft.com/office/powerpoint/2010/main" val="4092731301"/>
+        <p14:creationId xmlns:p14="http://schemas.microsoft.com/office/powerpoint/2010/main" val="3274665787"/>
       </p:ext>
     </p:extLst>
   </p:cSld>
@@ -4530,7 +4629,7 @@
           <p:cNvPr id="2" name="Başlık 1">
             <a:extLst>
               <a:ext uri="{FF2B5EF4-FFF2-40B4-BE49-F238E27FC236}">
-                <a16:creationId xmlns:a16="http://schemas.microsoft.com/office/drawing/2014/main" id="{B2B452ED-C17C-4AE3-953F-75C16FC016D0}"/>
+                <a16:creationId xmlns:a16="http://schemas.microsoft.com/office/drawing/2014/main" id="{40594B3C-A968-4F03-9740-5FBEC8F57B4F}"/>
               </a:ext>
             </a:extLst>
           </p:cNvPr>
@@ -4546,7 +4645,23 @@
           <a:bodyPr/>
           <a:lstStyle/>
           <a:p>
-            <a:endParaRPr lang="en-US"/>
+            <a:r>
+              <a:rPr lang="tr-TR" dirty="0" err="1"/>
+              <a:t>Değikenlerin</a:t>
+            </a:r>
+            <a:r>
+              <a:rPr lang="tr-TR" dirty="0"/>
+              <a:t> </a:t>
+            </a:r>
+            <a:r>
+              <a:rPr lang="tr-TR" dirty="0" err="1"/>
+              <a:t>Labellara</a:t>
+            </a:r>
+            <a:r>
+              <a:rPr lang="tr-TR" dirty="0"/>
+              <a:t> olan etkisinin incelenmesi</a:t>
+            </a:r>
+            <a:endParaRPr lang="en-US" dirty="0"/>
           </a:p>
         </p:txBody>
       </p:sp>
@@ -4555,7 +4670,7 @@
           <p:cNvPr id="5" name="İçerik Yer Tutucusu 4" descr="ekran görüntüsü içeren bir resim&#10;&#10;Açıklama otomatik olarak oluşturuldu">
             <a:extLst>
               <a:ext uri="{FF2B5EF4-FFF2-40B4-BE49-F238E27FC236}">
-                <a16:creationId xmlns:a16="http://schemas.microsoft.com/office/drawing/2014/main" id="{B958C27A-6FAE-46FE-839C-8DB43014AC42}"/>
+                <a16:creationId xmlns:a16="http://schemas.microsoft.com/office/drawing/2014/main" id="{93B223BE-DBFD-49C4-8643-89FEB67EBA5C}"/>
               </a:ext>
             </a:extLst>
           </p:cNvPr>
@@ -4580,15 +4695,15 @@
         </p:blipFill>
         <p:spPr>
           <a:xfrm>
-            <a:off x="979715" y="800100"/>
-            <a:ext cx="9598796" cy="5180040"/>
+            <a:off x="940911" y="1690688"/>
+            <a:ext cx="10629899" cy="4486275"/>
           </a:xfrm>
         </p:spPr>
       </p:pic>
     </p:spTree>
     <p:extLst>
       <p:ext uri="{BB962C8B-B14F-4D97-AF65-F5344CB8AC3E}">
-        <p14:creationId xmlns:p14="http://schemas.microsoft.com/office/powerpoint/2010/main" val="1506018335"/>
+        <p14:creationId xmlns:p14="http://schemas.microsoft.com/office/powerpoint/2010/main" val="3204723640"/>
       </p:ext>
     </p:extLst>
   </p:cSld>
@@ -4620,7 +4735,7 @@
           <p:cNvPr id="2" name="Başlık 1">
             <a:extLst>
               <a:ext uri="{FF2B5EF4-FFF2-40B4-BE49-F238E27FC236}">
-                <a16:creationId xmlns:a16="http://schemas.microsoft.com/office/drawing/2014/main" id="{474FFAF8-2339-4E33-9F55-24386218CAA1}"/>
+                <a16:creationId xmlns:a16="http://schemas.microsoft.com/office/drawing/2014/main" id="{5178C96A-2959-431E-A7EA-8A36CE35760A}"/>
               </a:ext>
             </a:extLst>
           </p:cNvPr>
@@ -4645,7 +4760,7 @@
           <p:cNvPr id="5" name="İçerik Yer Tutucusu 4" descr="ekran görüntüsü içeren bir resim&#10;&#10;Açıklama otomatik olarak oluşturuldu">
             <a:extLst>
               <a:ext uri="{FF2B5EF4-FFF2-40B4-BE49-F238E27FC236}">
-                <a16:creationId xmlns:a16="http://schemas.microsoft.com/office/drawing/2014/main" id="{C2019483-BA38-49EB-8689-8183CF94E4B3}"/>
+                <a16:creationId xmlns:a16="http://schemas.microsoft.com/office/drawing/2014/main" id="{62A5AFEC-12EF-4F03-A188-E0A87E245EFA}"/>
               </a:ext>
             </a:extLst>
           </p:cNvPr>
@@ -4670,15 +4785,15 @@
         </p:blipFill>
         <p:spPr>
           <a:xfrm>
-            <a:off x="739013" y="1083468"/>
-            <a:ext cx="10713973" cy="4691063"/>
+            <a:off x="942216" y="1825625"/>
+            <a:ext cx="10307568" cy="4351338"/>
           </a:xfrm>
         </p:spPr>
       </p:pic>
     </p:spTree>
     <p:extLst>
       <p:ext uri="{BB962C8B-B14F-4D97-AF65-F5344CB8AC3E}">
-        <p14:creationId xmlns:p14="http://schemas.microsoft.com/office/powerpoint/2010/main" val="2405902508"/>
+        <p14:creationId xmlns:p14="http://schemas.microsoft.com/office/powerpoint/2010/main" val="3591336311"/>
       </p:ext>
     </p:extLst>
   </p:cSld>
@@ -4710,7 +4825,7 @@
           <p:cNvPr id="2" name="Başlık 1">
             <a:extLst>
               <a:ext uri="{FF2B5EF4-FFF2-40B4-BE49-F238E27FC236}">
-                <a16:creationId xmlns:a16="http://schemas.microsoft.com/office/drawing/2014/main" id="{2416CED6-D28C-42B9-85B1-054A688FFC24}"/>
+                <a16:creationId xmlns:a16="http://schemas.microsoft.com/office/drawing/2014/main" id="{A27755AE-EFFB-481E-9729-1A8ED26B117C}"/>
               </a:ext>
             </a:extLst>
           </p:cNvPr>
@@ -4726,20 +4841,16 @@
           <a:bodyPr/>
           <a:lstStyle/>
           <a:p>
-            <a:r>
-              <a:rPr lang="tr-TR" dirty="0"/>
-              <a:t>Bilinmeyen değerlerin, olabilecek en iyi şekilde tahmin edilip, doldurulması</a:t>
-            </a:r>
-            <a:endParaRPr lang="en-US" dirty="0"/>
+            <a:endParaRPr lang="en-US"/>
           </a:p>
         </p:txBody>
       </p:sp>
       <p:pic>
         <p:nvPicPr>
-          <p:cNvPr id="5" name="İçerik Yer Tutucusu 4" descr="oturma, tablo, ekran, bilgisayar içeren bir resim&#10;&#10;Açıklama otomatik olarak oluşturuldu">
-            <a:extLst>
-              <a:ext uri="{FF2B5EF4-FFF2-40B4-BE49-F238E27FC236}">
-                <a16:creationId xmlns:a16="http://schemas.microsoft.com/office/drawing/2014/main" id="{3AA04F46-416C-41B4-8471-E47325CE47F6}"/>
+          <p:cNvPr id="5" name="İçerik Yer Tutucusu 4" descr="ekran görüntüsü içeren bir resim&#10;&#10;Açıklama otomatik olarak oluşturuldu">
+            <a:extLst>
+              <a:ext uri="{FF2B5EF4-FFF2-40B4-BE49-F238E27FC236}">
+                <a16:creationId xmlns:a16="http://schemas.microsoft.com/office/drawing/2014/main" id="{91472CD0-D647-49CF-B162-1067AC5FD253}"/>
               </a:ext>
             </a:extLst>
           </p:cNvPr>
@@ -4764,15 +4875,15 @@
         </p:blipFill>
         <p:spPr>
           <a:xfrm>
-            <a:off x="566826" y="3020786"/>
-            <a:ext cx="10408773" cy="1929716"/>
+            <a:off x="1070605" y="1825625"/>
+            <a:ext cx="10050789" cy="4351338"/>
           </a:xfrm>
         </p:spPr>
       </p:pic>
     </p:spTree>
     <p:extLst>
       <p:ext uri="{BB962C8B-B14F-4D97-AF65-F5344CB8AC3E}">
-        <p14:creationId xmlns:p14="http://schemas.microsoft.com/office/powerpoint/2010/main" val="842945892"/>
+        <p14:creationId xmlns:p14="http://schemas.microsoft.com/office/powerpoint/2010/main" val="2789453992"/>
       </p:ext>
     </p:extLst>
   </p:cSld>
@@ -4804,7 +4915,7 @@
           <p:cNvPr id="2" name="Başlık 1">
             <a:extLst>
               <a:ext uri="{FF2B5EF4-FFF2-40B4-BE49-F238E27FC236}">
-                <a16:creationId xmlns:a16="http://schemas.microsoft.com/office/drawing/2014/main" id="{7F6EFBF5-0861-456F-8DBA-D13411B2E89B}"/>
+                <a16:creationId xmlns:a16="http://schemas.microsoft.com/office/drawing/2014/main" id="{D8573B50-04BD-448C-BB6A-600586F0F1D2}"/>
               </a:ext>
             </a:extLst>
           </p:cNvPr>
@@ -4817,24 +4928,10 @@
         </p:nvSpPr>
         <p:spPr/>
         <p:txBody>
-          <a:bodyPr>
-            <a:normAutofit/>
-          </a:bodyPr>
-          <a:lstStyle/>
-          <a:p>
-            <a:r>
-              <a:rPr lang="tr-TR" dirty="0"/>
-              <a:t>Kuruluş tarihi ve ölçüm tarihi bilgilerinden yeni </a:t>
-            </a:r>
-            <a:r>
-              <a:rPr lang="tr-TR" dirty="0" err="1"/>
-              <a:t>feature</a:t>
-            </a:r>
-            <a:r>
-              <a:rPr lang="tr-TR" dirty="0"/>
-              <a:t> elde edilmesi</a:t>
-            </a:r>
-            <a:endParaRPr lang="en-US" dirty="0"/>
+          <a:bodyPr/>
+          <a:lstStyle/>
+          <a:p>
+            <a:endParaRPr lang="en-US"/>
           </a:p>
         </p:txBody>
       </p:sp>
@@ -4843,7 +4940,7 @@
           <p:cNvPr id="5" name="İçerik Yer Tutucusu 4" descr="ekran görüntüsü içeren bir resim&#10;&#10;Açıklama otomatik olarak oluşturuldu">
             <a:extLst>
               <a:ext uri="{FF2B5EF4-FFF2-40B4-BE49-F238E27FC236}">
-                <a16:creationId xmlns:a16="http://schemas.microsoft.com/office/drawing/2014/main" id="{3D659189-CF40-4877-8E94-257FDC6182D4}"/>
+                <a16:creationId xmlns:a16="http://schemas.microsoft.com/office/drawing/2014/main" id="{C61576EA-ADD3-426E-B53C-0F972228375D}"/>
               </a:ext>
             </a:extLst>
           </p:cNvPr>
@@ -4868,15 +4965,15 @@
         </p:blipFill>
         <p:spPr>
           <a:xfrm>
-            <a:off x="838200" y="2234571"/>
-            <a:ext cx="10128584" cy="4258304"/>
+            <a:off x="900422" y="1825625"/>
+            <a:ext cx="10391155" cy="4351338"/>
           </a:xfrm>
         </p:spPr>
       </p:pic>
     </p:spTree>
     <p:extLst>
       <p:ext uri="{BB962C8B-B14F-4D97-AF65-F5344CB8AC3E}">
-        <p14:creationId xmlns:p14="http://schemas.microsoft.com/office/powerpoint/2010/main" val="3410955316"/>
+        <p14:creationId xmlns:p14="http://schemas.microsoft.com/office/powerpoint/2010/main" val="3478378968"/>
       </p:ext>
     </p:extLst>
   </p:cSld>
@@ -4887,6 +4984,733 @@
 </file>
 
 <file path=ppt/slides/slide24.xml><?xml version="1.0" encoding="utf-8"?>
+<p:sld xmlns:a="http://schemas.openxmlformats.org/drawingml/2006/main" xmlns:r="http://schemas.openxmlformats.org/officeDocument/2006/relationships" xmlns:p="http://schemas.openxmlformats.org/presentationml/2006/main">
+  <p:cSld>
+    <p:spTree>
+      <p:nvGrpSpPr>
+        <p:cNvPr id="1" name=""/>
+        <p:cNvGrpSpPr/>
+        <p:nvPr/>
+      </p:nvGrpSpPr>
+      <p:grpSpPr>
+        <a:xfrm>
+          <a:off x="0" y="0"/>
+          <a:ext cx="0" cy="0"/>
+          <a:chOff x="0" y="0"/>
+          <a:chExt cx="0" cy="0"/>
+        </a:xfrm>
+      </p:grpSpPr>
+      <p:sp>
+        <p:nvSpPr>
+          <p:cNvPr id="2" name="Başlık 1">
+            <a:extLst>
+              <a:ext uri="{FF2B5EF4-FFF2-40B4-BE49-F238E27FC236}">
+                <a16:creationId xmlns:a16="http://schemas.microsoft.com/office/drawing/2014/main" id="{3F71D686-53F3-4CEE-A654-E00F693F8C19}"/>
+              </a:ext>
+            </a:extLst>
+          </p:cNvPr>
+          <p:cNvSpPr>
+            <a:spLocks noGrp="1"/>
+          </p:cNvSpPr>
+          <p:nvPr>
+            <p:ph type="title"/>
+          </p:nvPr>
+        </p:nvSpPr>
+        <p:spPr/>
+        <p:txBody>
+          <a:bodyPr/>
+          <a:lstStyle/>
+          <a:p>
+            <a:endParaRPr lang="en-US"/>
+          </a:p>
+        </p:txBody>
+      </p:sp>
+      <p:pic>
+        <p:nvPicPr>
+          <p:cNvPr id="5" name="İçerik Yer Tutucusu 4" descr="ekran görüntüsü içeren bir resim&#10;&#10;Açıklama otomatik olarak oluşturuldu">
+            <a:extLst>
+              <a:ext uri="{FF2B5EF4-FFF2-40B4-BE49-F238E27FC236}">
+                <a16:creationId xmlns:a16="http://schemas.microsoft.com/office/drawing/2014/main" id="{85ED9232-8790-4295-99A6-810844884153}"/>
+              </a:ext>
+            </a:extLst>
+          </p:cNvPr>
+          <p:cNvPicPr>
+            <a:picLocks noGrp="1" noChangeAspect="1"/>
+          </p:cNvPicPr>
+          <p:nvPr>
+            <p:ph idx="1"/>
+          </p:nvPr>
+        </p:nvPicPr>
+        <p:blipFill>
+          <a:blip r:embed="rId2">
+            <a:extLst>
+              <a:ext uri="{28A0092B-C50C-407E-A947-70E740481C1C}">
+                <a14:useLocalDpi xmlns:a14="http://schemas.microsoft.com/office/drawing/2010/main" val="0"/>
+              </a:ext>
+            </a:extLst>
+          </a:blip>
+          <a:stretch>
+            <a:fillRect/>
+          </a:stretch>
+        </p:blipFill>
+        <p:spPr>
+          <a:xfrm>
+            <a:off x="991674" y="1825625"/>
+            <a:ext cx="10208652" cy="4351338"/>
+          </a:xfrm>
+        </p:spPr>
+      </p:pic>
+    </p:spTree>
+    <p:extLst>
+      <p:ext uri="{BB962C8B-B14F-4D97-AF65-F5344CB8AC3E}">
+        <p14:creationId xmlns:p14="http://schemas.microsoft.com/office/powerpoint/2010/main" val="2649703651"/>
+      </p:ext>
+    </p:extLst>
+  </p:cSld>
+  <p:clrMapOvr>
+    <a:masterClrMapping/>
+  </p:clrMapOvr>
+</p:sld>
+</file>
+
+<file path=ppt/slides/slide25.xml><?xml version="1.0" encoding="utf-8"?>
+<p:sld xmlns:a="http://schemas.openxmlformats.org/drawingml/2006/main" xmlns:r="http://schemas.openxmlformats.org/officeDocument/2006/relationships" xmlns:p="http://schemas.openxmlformats.org/presentationml/2006/main">
+  <p:cSld>
+    <p:spTree>
+      <p:nvGrpSpPr>
+        <p:cNvPr id="1" name=""/>
+        <p:cNvGrpSpPr/>
+        <p:nvPr/>
+      </p:nvGrpSpPr>
+      <p:grpSpPr>
+        <a:xfrm>
+          <a:off x="0" y="0"/>
+          <a:ext cx="0" cy="0"/>
+          <a:chOff x="0" y="0"/>
+          <a:chExt cx="0" cy="0"/>
+        </a:xfrm>
+      </p:grpSpPr>
+      <p:sp>
+        <p:nvSpPr>
+          <p:cNvPr id="2" name="Başlık 1">
+            <a:extLst>
+              <a:ext uri="{FF2B5EF4-FFF2-40B4-BE49-F238E27FC236}">
+                <a16:creationId xmlns:a16="http://schemas.microsoft.com/office/drawing/2014/main" id="{0DDAE8D7-88B8-4E29-B63C-1E124BDE8D8B}"/>
+              </a:ext>
+            </a:extLst>
+          </p:cNvPr>
+          <p:cNvSpPr>
+            <a:spLocks noGrp="1"/>
+          </p:cNvSpPr>
+          <p:nvPr>
+            <p:ph type="title"/>
+          </p:nvPr>
+        </p:nvSpPr>
+        <p:spPr/>
+        <p:txBody>
+          <a:bodyPr/>
+          <a:lstStyle/>
+          <a:p>
+            <a:endParaRPr lang="en-US"/>
+          </a:p>
+        </p:txBody>
+      </p:sp>
+      <p:pic>
+        <p:nvPicPr>
+          <p:cNvPr id="5" name="İçerik Yer Tutucusu 4" descr="ekran görüntüsü içeren bir resim&#10;&#10;Açıklama otomatik olarak oluşturuldu">
+            <a:extLst>
+              <a:ext uri="{FF2B5EF4-FFF2-40B4-BE49-F238E27FC236}">
+                <a16:creationId xmlns:a16="http://schemas.microsoft.com/office/drawing/2014/main" id="{1B82B427-622C-4031-AED6-F6AC9DE43591}"/>
+              </a:ext>
+            </a:extLst>
+          </p:cNvPr>
+          <p:cNvPicPr>
+            <a:picLocks noGrp="1" noChangeAspect="1"/>
+          </p:cNvPicPr>
+          <p:nvPr>
+            <p:ph idx="1"/>
+          </p:nvPr>
+        </p:nvPicPr>
+        <p:blipFill>
+          <a:blip r:embed="rId2">
+            <a:extLst>
+              <a:ext uri="{28A0092B-C50C-407E-A947-70E740481C1C}">
+                <a14:useLocalDpi xmlns:a14="http://schemas.microsoft.com/office/drawing/2010/main" val="0"/>
+              </a:ext>
+            </a:extLst>
+          </a:blip>
+          <a:stretch>
+            <a:fillRect/>
+          </a:stretch>
+        </p:blipFill>
+        <p:spPr>
+          <a:xfrm>
+            <a:off x="994893" y="1825625"/>
+            <a:ext cx="10202214" cy="4351338"/>
+          </a:xfrm>
+        </p:spPr>
+      </p:pic>
+    </p:spTree>
+    <p:extLst>
+      <p:ext uri="{BB962C8B-B14F-4D97-AF65-F5344CB8AC3E}">
+        <p14:creationId xmlns:p14="http://schemas.microsoft.com/office/powerpoint/2010/main" val="663172770"/>
+      </p:ext>
+    </p:extLst>
+  </p:cSld>
+  <p:clrMapOvr>
+    <a:masterClrMapping/>
+  </p:clrMapOvr>
+</p:sld>
+</file>
+
+<file path=ppt/slides/slide26.xml><?xml version="1.0" encoding="utf-8"?>
+<p:sld xmlns:a="http://schemas.openxmlformats.org/drawingml/2006/main" xmlns:r="http://schemas.openxmlformats.org/officeDocument/2006/relationships" xmlns:p="http://schemas.openxmlformats.org/presentationml/2006/main">
+  <p:cSld>
+    <p:spTree>
+      <p:nvGrpSpPr>
+        <p:cNvPr id="1" name=""/>
+        <p:cNvGrpSpPr/>
+        <p:nvPr/>
+      </p:nvGrpSpPr>
+      <p:grpSpPr>
+        <a:xfrm>
+          <a:off x="0" y="0"/>
+          <a:ext cx="0" cy="0"/>
+          <a:chOff x="0" y="0"/>
+          <a:chExt cx="0" cy="0"/>
+        </a:xfrm>
+      </p:grpSpPr>
+      <p:sp>
+        <p:nvSpPr>
+          <p:cNvPr id="2" name="Başlık 1">
+            <a:extLst>
+              <a:ext uri="{FF2B5EF4-FFF2-40B4-BE49-F238E27FC236}">
+                <a16:creationId xmlns:a16="http://schemas.microsoft.com/office/drawing/2014/main" id="{A19061F0-CB26-4730-B0FC-52012F176296}"/>
+              </a:ext>
+            </a:extLst>
+          </p:cNvPr>
+          <p:cNvSpPr>
+            <a:spLocks noGrp="1"/>
+          </p:cNvSpPr>
+          <p:nvPr>
+            <p:ph type="title"/>
+          </p:nvPr>
+        </p:nvSpPr>
+        <p:spPr/>
+        <p:txBody>
+          <a:bodyPr/>
+          <a:lstStyle/>
+          <a:p>
+            <a:endParaRPr lang="en-US"/>
+          </a:p>
+        </p:txBody>
+      </p:sp>
+      <p:pic>
+        <p:nvPicPr>
+          <p:cNvPr id="5" name="İçerik Yer Tutucusu 4" descr="ekran görüntüsü içeren bir resim&#10;&#10;Açıklama otomatik olarak oluşturuldu">
+            <a:extLst>
+              <a:ext uri="{FF2B5EF4-FFF2-40B4-BE49-F238E27FC236}">
+                <a16:creationId xmlns:a16="http://schemas.microsoft.com/office/drawing/2014/main" id="{732108F2-FF0E-4114-A448-A3F9730428FA}"/>
+              </a:ext>
+            </a:extLst>
+          </p:cNvPr>
+          <p:cNvPicPr>
+            <a:picLocks noGrp="1" noChangeAspect="1"/>
+          </p:cNvPicPr>
+          <p:nvPr>
+            <p:ph idx="1"/>
+          </p:nvPr>
+        </p:nvPicPr>
+        <p:blipFill>
+          <a:blip r:embed="rId2">
+            <a:extLst>
+              <a:ext uri="{28A0092B-C50C-407E-A947-70E740481C1C}">
+                <a14:useLocalDpi xmlns:a14="http://schemas.microsoft.com/office/drawing/2010/main" val="0"/>
+              </a:ext>
+            </a:extLst>
+          </a:blip>
+          <a:stretch>
+            <a:fillRect/>
+          </a:stretch>
+        </p:blipFill>
+        <p:spPr>
+          <a:xfrm>
+            <a:off x="940912" y="1825625"/>
+            <a:ext cx="10310176" cy="4351338"/>
+          </a:xfrm>
+        </p:spPr>
+      </p:pic>
+    </p:spTree>
+    <p:extLst>
+      <p:ext uri="{BB962C8B-B14F-4D97-AF65-F5344CB8AC3E}">
+        <p14:creationId xmlns:p14="http://schemas.microsoft.com/office/powerpoint/2010/main" val="4092731301"/>
+      </p:ext>
+    </p:extLst>
+  </p:cSld>
+  <p:clrMapOvr>
+    <a:masterClrMapping/>
+  </p:clrMapOvr>
+</p:sld>
+</file>
+
+<file path=ppt/slides/slide27.xml><?xml version="1.0" encoding="utf-8"?>
+<p:sld xmlns:a="http://schemas.openxmlformats.org/drawingml/2006/main" xmlns:r="http://schemas.openxmlformats.org/officeDocument/2006/relationships" xmlns:p="http://schemas.openxmlformats.org/presentationml/2006/main">
+  <p:cSld>
+    <p:spTree>
+      <p:nvGrpSpPr>
+        <p:cNvPr id="1" name=""/>
+        <p:cNvGrpSpPr/>
+        <p:nvPr/>
+      </p:nvGrpSpPr>
+      <p:grpSpPr>
+        <a:xfrm>
+          <a:off x="0" y="0"/>
+          <a:ext cx="0" cy="0"/>
+          <a:chOff x="0" y="0"/>
+          <a:chExt cx="0" cy="0"/>
+        </a:xfrm>
+      </p:grpSpPr>
+      <p:sp>
+        <p:nvSpPr>
+          <p:cNvPr id="2" name="Başlık 1">
+            <a:extLst>
+              <a:ext uri="{FF2B5EF4-FFF2-40B4-BE49-F238E27FC236}">
+                <a16:creationId xmlns:a16="http://schemas.microsoft.com/office/drawing/2014/main" id="{B2B452ED-C17C-4AE3-953F-75C16FC016D0}"/>
+              </a:ext>
+            </a:extLst>
+          </p:cNvPr>
+          <p:cNvSpPr>
+            <a:spLocks noGrp="1"/>
+          </p:cNvSpPr>
+          <p:nvPr>
+            <p:ph type="title"/>
+          </p:nvPr>
+        </p:nvSpPr>
+        <p:spPr/>
+        <p:txBody>
+          <a:bodyPr/>
+          <a:lstStyle/>
+          <a:p>
+            <a:endParaRPr lang="en-US"/>
+          </a:p>
+        </p:txBody>
+      </p:sp>
+      <p:pic>
+        <p:nvPicPr>
+          <p:cNvPr id="5" name="İçerik Yer Tutucusu 4" descr="ekran görüntüsü içeren bir resim&#10;&#10;Açıklama otomatik olarak oluşturuldu">
+            <a:extLst>
+              <a:ext uri="{FF2B5EF4-FFF2-40B4-BE49-F238E27FC236}">
+                <a16:creationId xmlns:a16="http://schemas.microsoft.com/office/drawing/2014/main" id="{B958C27A-6FAE-46FE-839C-8DB43014AC42}"/>
+              </a:ext>
+            </a:extLst>
+          </p:cNvPr>
+          <p:cNvPicPr>
+            <a:picLocks noGrp="1" noChangeAspect="1"/>
+          </p:cNvPicPr>
+          <p:nvPr>
+            <p:ph idx="1"/>
+          </p:nvPr>
+        </p:nvPicPr>
+        <p:blipFill>
+          <a:blip r:embed="rId2">
+            <a:extLst>
+              <a:ext uri="{28A0092B-C50C-407E-A947-70E740481C1C}">
+                <a14:useLocalDpi xmlns:a14="http://schemas.microsoft.com/office/drawing/2010/main" val="0"/>
+              </a:ext>
+            </a:extLst>
+          </a:blip>
+          <a:stretch>
+            <a:fillRect/>
+          </a:stretch>
+        </p:blipFill>
+        <p:spPr>
+          <a:xfrm>
+            <a:off x="979715" y="800100"/>
+            <a:ext cx="9598796" cy="5180040"/>
+          </a:xfrm>
+        </p:spPr>
+      </p:pic>
+    </p:spTree>
+    <p:extLst>
+      <p:ext uri="{BB962C8B-B14F-4D97-AF65-F5344CB8AC3E}">
+        <p14:creationId xmlns:p14="http://schemas.microsoft.com/office/powerpoint/2010/main" val="1506018335"/>
+      </p:ext>
+    </p:extLst>
+  </p:cSld>
+  <p:clrMapOvr>
+    <a:masterClrMapping/>
+  </p:clrMapOvr>
+</p:sld>
+</file>
+
+<file path=ppt/slides/slide28.xml><?xml version="1.0" encoding="utf-8"?>
+<p:sld xmlns:a="http://schemas.openxmlformats.org/drawingml/2006/main" xmlns:r="http://schemas.openxmlformats.org/officeDocument/2006/relationships" xmlns:p="http://schemas.openxmlformats.org/presentationml/2006/main">
+  <p:cSld>
+    <p:spTree>
+      <p:nvGrpSpPr>
+        <p:cNvPr id="1" name=""/>
+        <p:cNvGrpSpPr/>
+        <p:nvPr/>
+      </p:nvGrpSpPr>
+      <p:grpSpPr>
+        <a:xfrm>
+          <a:off x="0" y="0"/>
+          <a:ext cx="0" cy="0"/>
+          <a:chOff x="0" y="0"/>
+          <a:chExt cx="0" cy="0"/>
+        </a:xfrm>
+      </p:grpSpPr>
+      <p:sp>
+        <p:nvSpPr>
+          <p:cNvPr id="2" name="Başlık 1">
+            <a:extLst>
+              <a:ext uri="{FF2B5EF4-FFF2-40B4-BE49-F238E27FC236}">
+                <a16:creationId xmlns:a16="http://schemas.microsoft.com/office/drawing/2014/main" id="{474FFAF8-2339-4E33-9F55-24386218CAA1}"/>
+              </a:ext>
+            </a:extLst>
+          </p:cNvPr>
+          <p:cNvSpPr>
+            <a:spLocks noGrp="1"/>
+          </p:cNvSpPr>
+          <p:nvPr>
+            <p:ph type="title"/>
+          </p:nvPr>
+        </p:nvSpPr>
+        <p:spPr/>
+        <p:txBody>
+          <a:bodyPr/>
+          <a:lstStyle/>
+          <a:p>
+            <a:endParaRPr lang="en-US"/>
+          </a:p>
+        </p:txBody>
+      </p:sp>
+      <p:pic>
+        <p:nvPicPr>
+          <p:cNvPr id="5" name="İçerik Yer Tutucusu 4" descr="ekran görüntüsü içeren bir resim&#10;&#10;Açıklama otomatik olarak oluşturuldu">
+            <a:extLst>
+              <a:ext uri="{FF2B5EF4-FFF2-40B4-BE49-F238E27FC236}">
+                <a16:creationId xmlns:a16="http://schemas.microsoft.com/office/drawing/2014/main" id="{C2019483-BA38-49EB-8689-8183CF94E4B3}"/>
+              </a:ext>
+            </a:extLst>
+          </p:cNvPr>
+          <p:cNvPicPr>
+            <a:picLocks noGrp="1" noChangeAspect="1"/>
+          </p:cNvPicPr>
+          <p:nvPr>
+            <p:ph idx="1"/>
+          </p:nvPr>
+        </p:nvPicPr>
+        <p:blipFill>
+          <a:blip r:embed="rId2">
+            <a:extLst>
+              <a:ext uri="{28A0092B-C50C-407E-A947-70E740481C1C}">
+                <a14:useLocalDpi xmlns:a14="http://schemas.microsoft.com/office/drawing/2010/main" val="0"/>
+              </a:ext>
+            </a:extLst>
+          </a:blip>
+          <a:stretch>
+            <a:fillRect/>
+          </a:stretch>
+        </p:blipFill>
+        <p:spPr>
+          <a:xfrm>
+            <a:off x="739013" y="1083468"/>
+            <a:ext cx="10713973" cy="4691063"/>
+          </a:xfrm>
+        </p:spPr>
+      </p:pic>
+    </p:spTree>
+    <p:extLst>
+      <p:ext uri="{BB962C8B-B14F-4D97-AF65-F5344CB8AC3E}">
+        <p14:creationId xmlns:p14="http://schemas.microsoft.com/office/powerpoint/2010/main" val="2405902508"/>
+      </p:ext>
+    </p:extLst>
+  </p:cSld>
+  <p:clrMapOvr>
+    <a:masterClrMapping/>
+  </p:clrMapOvr>
+</p:sld>
+</file>
+
+<file path=ppt/slides/slide29.xml><?xml version="1.0" encoding="utf-8"?>
+<p:sld xmlns:a="http://schemas.openxmlformats.org/drawingml/2006/main" xmlns:r="http://schemas.openxmlformats.org/officeDocument/2006/relationships" xmlns:p="http://schemas.openxmlformats.org/presentationml/2006/main">
+  <p:cSld>
+    <p:spTree>
+      <p:nvGrpSpPr>
+        <p:cNvPr id="1" name=""/>
+        <p:cNvGrpSpPr/>
+        <p:nvPr/>
+      </p:nvGrpSpPr>
+      <p:grpSpPr>
+        <a:xfrm>
+          <a:off x="0" y="0"/>
+          <a:ext cx="0" cy="0"/>
+          <a:chOff x="0" y="0"/>
+          <a:chExt cx="0" cy="0"/>
+        </a:xfrm>
+      </p:grpSpPr>
+      <p:sp>
+        <p:nvSpPr>
+          <p:cNvPr id="2" name="Başlık 1">
+            <a:extLst>
+              <a:ext uri="{FF2B5EF4-FFF2-40B4-BE49-F238E27FC236}">
+                <a16:creationId xmlns:a16="http://schemas.microsoft.com/office/drawing/2014/main" id="{E3CC2078-2093-4C7B-A1D6-48351B616F51}"/>
+              </a:ext>
+            </a:extLst>
+          </p:cNvPr>
+          <p:cNvSpPr>
+            <a:spLocks noGrp="1"/>
+          </p:cNvSpPr>
+          <p:nvPr>
+            <p:ph type="title"/>
+          </p:nvPr>
+        </p:nvSpPr>
+        <p:spPr/>
+        <p:txBody>
+          <a:bodyPr/>
+          <a:lstStyle/>
+          <a:p>
+            <a:r>
+              <a:rPr lang="tr-TR" dirty="0" err="1"/>
+              <a:t>XGBoost</a:t>
+            </a:r>
+            <a:r>
+              <a:rPr lang="tr-TR" dirty="0"/>
+              <a:t> </a:t>
+            </a:r>
+            <a:r>
+              <a:rPr lang="tr-TR" dirty="0" err="1"/>
+              <a:t>Classification</a:t>
+            </a:r>
+            <a:endParaRPr lang="en-US" dirty="0"/>
+          </a:p>
+        </p:txBody>
+      </p:sp>
+      <p:sp>
+        <p:nvSpPr>
+          <p:cNvPr id="3" name="İçerik Yer Tutucusu 2">
+            <a:extLst>
+              <a:ext uri="{FF2B5EF4-FFF2-40B4-BE49-F238E27FC236}">
+                <a16:creationId xmlns:a16="http://schemas.microsoft.com/office/drawing/2014/main" id="{5FB5B46C-6ACF-45DB-B7A6-6EF490B8B4A8}"/>
+              </a:ext>
+            </a:extLst>
+          </p:cNvPr>
+          <p:cNvSpPr>
+            <a:spLocks noGrp="1"/>
+          </p:cNvSpPr>
+          <p:nvPr>
+            <p:ph idx="1"/>
+          </p:nvPr>
+        </p:nvSpPr>
+        <p:spPr/>
+        <p:txBody>
+          <a:bodyPr/>
+          <a:lstStyle/>
+          <a:p>
+            <a:r>
+              <a:rPr lang="tr-TR" dirty="0"/>
+              <a:t>-En iyi performansı elde ettik. </a:t>
+            </a:r>
+          </a:p>
+          <a:p>
+            <a:r>
+              <a:rPr lang="tr-TR" dirty="0"/>
+              <a:t>Sıralama 860</a:t>
+            </a:r>
+          </a:p>
+          <a:p>
+            <a:r>
+              <a:rPr lang="tr-TR" dirty="0"/>
+              <a:t>- Doğruluk oranı 0.8155</a:t>
+            </a:r>
+          </a:p>
+          <a:p>
+            <a:r>
+              <a:rPr lang="tr-TR" dirty="0"/>
+              <a:t>Depth 15</a:t>
+            </a:r>
+          </a:p>
+          <a:p>
+            <a:r>
+              <a:rPr lang="tr-TR" dirty="0"/>
+              <a:t>Learning rate = 0.2</a:t>
+            </a:r>
+          </a:p>
+          <a:p>
+            <a:r>
+              <a:rPr lang="tr-TR" dirty="0" err="1"/>
+              <a:t>Forest</a:t>
+            </a:r>
+            <a:r>
+              <a:rPr lang="tr-TR" dirty="0"/>
+              <a:t> içerisinde bulunan her ağaç </a:t>
+            </a:r>
+            <a:r>
+              <a:rPr lang="tr-TR" dirty="0" err="1"/>
+              <a:t>featureların</a:t>
+            </a:r>
+            <a:r>
+              <a:rPr lang="tr-TR" dirty="0"/>
+              <a:t> 0.4’ünü alıyor.</a:t>
+            </a:r>
+          </a:p>
+          <a:p>
+            <a:pPr marL="0" indent="0">
+              <a:buNone/>
+            </a:pPr>
+            <a:endParaRPr lang="tr-TR" dirty="0"/>
+          </a:p>
+        </p:txBody>
+      </p:sp>
+    </p:spTree>
+    <p:extLst>
+      <p:ext uri="{BB962C8B-B14F-4D97-AF65-F5344CB8AC3E}">
+        <p14:creationId xmlns:p14="http://schemas.microsoft.com/office/powerpoint/2010/main" val="2788051248"/>
+      </p:ext>
+    </p:extLst>
+  </p:cSld>
+  <p:clrMapOvr>
+    <a:masterClrMapping/>
+  </p:clrMapOvr>
+</p:sld>
+</file>
+
+<file path=ppt/slides/slide3.xml><?xml version="1.0" encoding="utf-8"?>
+<p:sld xmlns:a="http://schemas.openxmlformats.org/drawingml/2006/main" xmlns:r="http://schemas.openxmlformats.org/officeDocument/2006/relationships" xmlns:p="http://schemas.openxmlformats.org/presentationml/2006/main">
+  <p:cSld>
+    <p:spTree>
+      <p:nvGrpSpPr>
+        <p:cNvPr id="1" name=""/>
+        <p:cNvGrpSpPr/>
+        <p:nvPr/>
+      </p:nvGrpSpPr>
+      <p:grpSpPr>
+        <a:xfrm>
+          <a:off x="0" y="0"/>
+          <a:ext cx="0" cy="0"/>
+          <a:chOff x="0" y="0"/>
+          <a:chExt cx="0" cy="0"/>
+        </a:xfrm>
+      </p:grpSpPr>
+      <p:sp>
+        <p:nvSpPr>
+          <p:cNvPr id="2" name="Başlık 1">
+            <a:extLst>
+              <a:ext uri="{FF2B5EF4-FFF2-40B4-BE49-F238E27FC236}">
+                <a16:creationId xmlns:a16="http://schemas.microsoft.com/office/drawing/2014/main" id="{0E724263-3355-47F0-B682-9D94A82028F1}"/>
+              </a:ext>
+            </a:extLst>
+          </p:cNvPr>
+          <p:cNvSpPr>
+            <a:spLocks noGrp="1"/>
+          </p:cNvSpPr>
+          <p:nvPr>
+            <p:ph type="title"/>
+          </p:nvPr>
+        </p:nvSpPr>
+        <p:spPr/>
+        <p:txBody>
+          <a:bodyPr/>
+          <a:lstStyle/>
+          <a:p>
+            <a:endParaRPr lang="en-US"/>
+          </a:p>
+        </p:txBody>
+      </p:sp>
+      <p:sp>
+        <p:nvSpPr>
+          <p:cNvPr id="3" name="İçerik Yer Tutucusu 2">
+            <a:extLst>
+              <a:ext uri="{FF2B5EF4-FFF2-40B4-BE49-F238E27FC236}">
+                <a16:creationId xmlns:a16="http://schemas.microsoft.com/office/drawing/2014/main" id="{12212EB8-C5A2-4B5B-93EB-E6A4DB6F203C}"/>
+              </a:ext>
+            </a:extLst>
+          </p:cNvPr>
+          <p:cNvSpPr>
+            <a:spLocks noGrp="1"/>
+          </p:cNvSpPr>
+          <p:nvPr>
+            <p:ph idx="1"/>
+          </p:nvPr>
+        </p:nvSpPr>
+        <p:spPr/>
+        <p:txBody>
+          <a:bodyPr/>
+          <a:lstStyle/>
+          <a:p>
+            <a:r>
+              <a:rPr lang="tr-TR" dirty="0"/>
+              <a:t>Veri setimizde anlamsız çok fazla </a:t>
+            </a:r>
+            <a:r>
+              <a:rPr lang="tr-TR" dirty="0" err="1"/>
+              <a:t>feature</a:t>
+            </a:r>
+            <a:r>
+              <a:rPr lang="tr-TR" dirty="0"/>
+              <a:t> bulunuyordu.</a:t>
+            </a:r>
+          </a:p>
+          <a:p>
+            <a:r>
+              <a:rPr lang="tr-TR" dirty="0"/>
+              <a:t>Veri setimizde birbirine çok benzer </a:t>
+            </a:r>
+            <a:r>
+              <a:rPr lang="tr-TR" dirty="0" err="1"/>
+              <a:t>featurelar</a:t>
+            </a:r>
+            <a:r>
+              <a:rPr lang="tr-TR" dirty="0"/>
+              <a:t> bulunuyordu.</a:t>
+            </a:r>
+          </a:p>
+          <a:p>
+            <a:r>
+              <a:rPr lang="tr-TR" dirty="0"/>
+              <a:t>Veri setimizde çok fazla </a:t>
+            </a:r>
+            <a:r>
+              <a:rPr lang="tr-TR" dirty="0" err="1"/>
+              <a:t>null</a:t>
+            </a:r>
+            <a:r>
+              <a:rPr lang="tr-TR" dirty="0"/>
+              <a:t> – yada boş değer bulunuyordu. (Örneğin </a:t>
+            </a:r>
+            <a:r>
+              <a:rPr lang="tr-TR" dirty="0" err="1"/>
+              <a:t>gps_height</a:t>
+            </a:r>
+            <a:r>
+              <a:rPr lang="tr-TR" dirty="0"/>
+              <a:t> = 0 gibi)</a:t>
+            </a:r>
+          </a:p>
+          <a:p>
+            <a:r>
+              <a:rPr lang="tr-TR" dirty="0"/>
+              <a:t>İyi bir sonuç elde edebilmek için veri setimizle oynadık.</a:t>
+            </a:r>
+            <a:endParaRPr lang="en-US" dirty="0"/>
+          </a:p>
+        </p:txBody>
+      </p:sp>
+    </p:spTree>
+    <p:extLst>
+      <p:ext uri="{BB962C8B-B14F-4D97-AF65-F5344CB8AC3E}">
+        <p14:creationId xmlns:p14="http://schemas.microsoft.com/office/powerpoint/2010/main" val="178826117"/>
+      </p:ext>
+    </p:extLst>
+  </p:cSld>
+  <p:clrMapOvr>
+    <a:masterClrMapping/>
+  </p:clrMapOvr>
+</p:sld>
+</file>
+
+<file path=ppt/slides/slide30.xml><?xml version="1.0" encoding="utf-8"?>
 <p:sld xmlns:a="http://schemas.openxmlformats.org/drawingml/2006/main" xmlns:r="http://schemas.openxmlformats.org/officeDocument/2006/relationships" xmlns:p="http://schemas.openxmlformats.org/presentationml/2006/main">
   <p:cSld>
     <p:spTree>
@@ -5034,7 +5858,7 @@
 </p:sld>
 </file>
 
-<file path=ppt/slides/slide25.xml><?xml version="1.0" encoding="utf-8"?>
+<file path=ppt/slides/slide31.xml><?xml version="1.0" encoding="utf-8"?>
 <p:sld xmlns:a="http://schemas.openxmlformats.org/drawingml/2006/main" xmlns:r="http://schemas.openxmlformats.org/officeDocument/2006/relationships" xmlns:p="http://schemas.openxmlformats.org/presentationml/2006/main">
   <p:cSld>
     <p:spTree>
@@ -5084,44 +5908,21 @@
           </a:p>
         </p:txBody>
       </p:sp>
-      <p:sp>
-        <p:nvSpPr>
-          <p:cNvPr id="7" name="İçerik Yer Tutucusu 6">
-            <a:extLst>
-              <a:ext uri="{FF2B5EF4-FFF2-40B4-BE49-F238E27FC236}">
-                <a16:creationId xmlns:a16="http://schemas.microsoft.com/office/drawing/2014/main" id="{71674A31-33BF-4BBF-BDEB-4622DCC3CC6D}"/>
-              </a:ext>
-            </a:extLst>
-          </p:cNvPr>
-          <p:cNvSpPr>
-            <a:spLocks noGrp="1"/>
-          </p:cNvSpPr>
-          <p:nvPr>
-            <p:ph idx="1"/>
-          </p:nvPr>
-        </p:nvSpPr>
-        <p:spPr/>
-        <p:txBody>
-          <a:bodyPr/>
-          <a:lstStyle/>
-          <a:p>
-            <a:endParaRPr lang="en-US"/>
-          </a:p>
-        </p:txBody>
-      </p:sp>
       <p:pic>
         <p:nvPicPr>
-          <p:cNvPr id="11" name="Resim 10">
-            <a:extLst>
-              <a:ext uri="{FF2B5EF4-FFF2-40B4-BE49-F238E27FC236}">
-                <a16:creationId xmlns:a16="http://schemas.microsoft.com/office/drawing/2014/main" id="{243ECE15-43B2-4014-8F7A-E74851120310}"/>
+          <p:cNvPr id="4" name="İçerik Yer Tutucusu 3">
+            <a:extLst>
+              <a:ext uri="{FF2B5EF4-FFF2-40B4-BE49-F238E27FC236}">
+                <a16:creationId xmlns:a16="http://schemas.microsoft.com/office/drawing/2014/main" id="{3C1756F9-25DF-4B6D-8976-C6CCAFABD6E4}"/>
               </a:ext>
             </a:extLst>
           </p:cNvPr>
           <p:cNvPicPr>
-            <a:picLocks noChangeAspect="1"/>
+            <a:picLocks noGrp="1" noChangeAspect="1"/>
           </p:cNvPicPr>
-          <p:nvPr/>
+          <p:nvPr>
+            <p:ph idx="1"/>
+          </p:nvPr>
         </p:nvPicPr>
         <p:blipFill>
           <a:blip r:embed="rId2"/>
@@ -5131,12 +5932,9 @@
         </p:blipFill>
         <p:spPr>
           <a:xfrm>
-            <a:off x="552450" y="2000250"/>
-            <a:ext cx="11087100" cy="3314700"/>
+            <a:off x="2151898" y="1690688"/>
+            <a:ext cx="8718844" cy="3575091"/>
           </a:xfrm>
-          <a:prstGeom prst="rect">
-            <a:avLst/>
-          </a:prstGeom>
         </p:spPr>
       </p:pic>
     </p:spTree>
@@ -5152,7 +5950,140 @@
 </p:sld>
 </file>
 
-<file path=ppt/slides/slide26.xml><?xml version="1.0" encoding="utf-8"?>
+<file path=ppt/slides/slide32.xml><?xml version="1.0" encoding="utf-8"?>
+<p:sld xmlns:a="http://schemas.openxmlformats.org/drawingml/2006/main" xmlns:r="http://schemas.openxmlformats.org/officeDocument/2006/relationships" xmlns:p="http://schemas.openxmlformats.org/presentationml/2006/main">
+  <p:cSld>
+    <p:spTree>
+      <p:nvGrpSpPr>
+        <p:cNvPr id="1" name=""/>
+        <p:cNvGrpSpPr/>
+        <p:nvPr/>
+      </p:nvGrpSpPr>
+      <p:grpSpPr>
+        <a:xfrm>
+          <a:off x="0" y="0"/>
+          <a:ext cx="0" cy="0"/>
+          <a:chOff x="0" y="0"/>
+          <a:chExt cx="0" cy="0"/>
+        </a:xfrm>
+      </p:grpSpPr>
+      <p:sp>
+        <p:nvSpPr>
+          <p:cNvPr id="2" name="Başlık 1">
+            <a:extLst>
+              <a:ext uri="{FF2B5EF4-FFF2-40B4-BE49-F238E27FC236}">
+                <a16:creationId xmlns:a16="http://schemas.microsoft.com/office/drawing/2014/main" id="{D5576967-8D2C-47E5-B072-2C6C9C89709E}"/>
+              </a:ext>
+            </a:extLst>
+          </p:cNvPr>
+          <p:cNvSpPr>
+            <a:spLocks noGrp="1"/>
+          </p:cNvSpPr>
+          <p:nvPr>
+            <p:ph type="title"/>
+          </p:nvPr>
+        </p:nvSpPr>
+        <p:spPr/>
+        <p:txBody>
+          <a:bodyPr/>
+          <a:lstStyle/>
+          <a:p>
+            <a:r>
+              <a:rPr lang="tr-TR" dirty="0" err="1"/>
+              <a:t>Days_since_recorded</a:t>
+            </a:r>
+            <a:r>
+              <a:rPr lang="tr-TR" dirty="0"/>
+              <a:t> </a:t>
+            </a:r>
+            <a:r>
+              <a:rPr lang="tr-TR" dirty="0" err="1"/>
+              <a:t>scale</a:t>
+            </a:r>
+            <a:r>
+              <a:rPr lang="tr-TR" dirty="0"/>
+              <a:t> ekleyerek</a:t>
+            </a:r>
+            <a:br>
+              <a:rPr lang="tr-TR" dirty="0"/>
+            </a:br>
+            <a:r>
+              <a:rPr lang="tr-TR" dirty="0"/>
+              <a:t>daha iyi bir sonuç elde ettik. </a:t>
+            </a:r>
+            <a:endParaRPr lang="en-US" dirty="0"/>
+          </a:p>
+        </p:txBody>
+      </p:sp>
+      <p:sp>
+        <p:nvSpPr>
+          <p:cNvPr id="3" name="İçerik Yer Tutucusu 2">
+            <a:extLst>
+              <a:ext uri="{FF2B5EF4-FFF2-40B4-BE49-F238E27FC236}">
+                <a16:creationId xmlns:a16="http://schemas.microsoft.com/office/drawing/2014/main" id="{207FA76D-E36E-4607-852C-C710B30DDDE3}"/>
+              </a:ext>
+            </a:extLst>
+          </p:cNvPr>
+          <p:cNvSpPr>
+            <a:spLocks noGrp="1"/>
+          </p:cNvSpPr>
+          <p:nvPr>
+            <p:ph idx="1"/>
+          </p:nvPr>
+        </p:nvSpPr>
+        <p:spPr/>
+        <p:txBody>
+          <a:bodyPr/>
+          <a:lstStyle/>
+          <a:p>
+            <a:endParaRPr lang="en-US"/>
+          </a:p>
+        </p:txBody>
+      </p:sp>
+      <p:pic>
+        <p:nvPicPr>
+          <p:cNvPr id="5" name="Resim 4">
+            <a:extLst>
+              <a:ext uri="{FF2B5EF4-FFF2-40B4-BE49-F238E27FC236}">
+                <a16:creationId xmlns:a16="http://schemas.microsoft.com/office/drawing/2014/main" id="{282B4E65-2BB2-462E-9420-7013E12C4DB9}"/>
+              </a:ext>
+            </a:extLst>
+          </p:cNvPr>
+          <p:cNvPicPr>
+            <a:picLocks noChangeAspect="1"/>
+          </p:cNvPicPr>
+          <p:nvPr/>
+        </p:nvPicPr>
+        <p:blipFill>
+          <a:blip r:embed="rId2"/>
+          <a:stretch>
+            <a:fillRect/>
+          </a:stretch>
+        </p:blipFill>
+        <p:spPr>
+          <a:xfrm>
+            <a:off x="1296152" y="1690688"/>
+            <a:ext cx="8730011" cy="3703972"/>
+          </a:xfrm>
+          <a:prstGeom prst="rect">
+            <a:avLst/>
+          </a:prstGeom>
+        </p:spPr>
+      </p:pic>
+    </p:spTree>
+    <p:extLst>
+      <p:ext uri="{BB962C8B-B14F-4D97-AF65-F5344CB8AC3E}">
+        <p14:creationId xmlns:p14="http://schemas.microsoft.com/office/powerpoint/2010/main" val="2642897377"/>
+      </p:ext>
+    </p:extLst>
+  </p:cSld>
+  <p:clrMapOvr>
+    <a:masterClrMapping/>
+  </p:clrMapOvr>
+</p:sld>
+</file>
+
+<file path=ppt/slides/slide33.xml><?xml version="1.0" encoding="utf-8"?>
 <p:sld xmlns:a="http://schemas.openxmlformats.org/drawingml/2006/main" xmlns:r="http://schemas.openxmlformats.org/officeDocument/2006/relationships" xmlns:p="http://schemas.openxmlformats.org/presentationml/2006/main">
   <p:cSld>
     <p:spTree>
@@ -5270,7 +6201,7 @@
 </p:sld>
 </file>
 
-<file path=ppt/slides/slide27.xml><?xml version="1.0" encoding="utf-8"?>
+<file path=ppt/slides/slide34.xml><?xml version="1.0" encoding="utf-8"?>
 <p:sld xmlns:a="http://schemas.openxmlformats.org/drawingml/2006/main" xmlns:r="http://schemas.openxmlformats.org/officeDocument/2006/relationships" xmlns:p="http://schemas.openxmlformats.org/presentationml/2006/main">
   <p:cSld>
     <p:spTree>
@@ -5515,10 +6446,10 @@
       </p:sp>
       <p:pic>
         <p:nvPicPr>
-          <p:cNvPr id="8" name="Resim 7">
-            <a:extLst>
-              <a:ext uri="{FF2B5EF4-FFF2-40B4-BE49-F238E27FC236}">
-                <a16:creationId xmlns:a16="http://schemas.microsoft.com/office/drawing/2014/main" id="{A5B2313A-F7F2-4580-B10F-70D3EB3C2C10}"/>
+          <p:cNvPr id="5" name="Resim 4">
+            <a:extLst>
+              <a:ext uri="{FF2B5EF4-FFF2-40B4-BE49-F238E27FC236}">
+                <a16:creationId xmlns:a16="http://schemas.microsoft.com/office/drawing/2014/main" id="{AD785210-0E15-40D3-8EA7-D944BA949E9B}"/>
               </a:ext>
             </a:extLst>
           </p:cNvPr>
@@ -5535,8 +6466,8 @@
         </p:blipFill>
         <p:spPr>
           <a:xfrm>
-            <a:off x="838200" y="1832956"/>
-            <a:ext cx="11087100" cy="1028700"/>
+            <a:off x="1159414" y="1980510"/>
+            <a:ext cx="9553575" cy="971550"/>
           </a:xfrm>
           <a:prstGeom prst="rect">
             <a:avLst/>
@@ -5556,7 +6487,7 @@
 </p:sld>
 </file>
 
-<file path=ppt/slides/slide28.xml><?xml version="1.0" encoding="utf-8"?>
+<file path=ppt/slides/slide35.xml><?xml version="1.0" encoding="utf-8"?>
 <p:sld xmlns:a="http://schemas.openxmlformats.org/drawingml/2006/main" xmlns:r="http://schemas.openxmlformats.org/officeDocument/2006/relationships" xmlns:p="http://schemas.openxmlformats.org/presentationml/2006/main">
   <p:cSld>
     <p:spTree>
@@ -5641,7 +6572,7 @@
 </p:sld>
 </file>
 
-<file path=ppt/slides/slide29.xml><?xml version="1.0" encoding="utf-8"?>
+<file path=ppt/slides/slide36.xml><?xml version="1.0" encoding="utf-8"?>
 <p:sld xmlns:a="http://schemas.openxmlformats.org/drawingml/2006/main" xmlns:r="http://schemas.openxmlformats.org/officeDocument/2006/relationships" xmlns:p="http://schemas.openxmlformats.org/presentationml/2006/main">
   <p:cSld>
     <p:spTree>
@@ -5724,6 +6655,36 @@
           </a:p>
         </p:txBody>
       </p:sp>
+      <p:pic>
+        <p:nvPicPr>
+          <p:cNvPr id="5" name="Resim 4">
+            <a:extLst>
+              <a:ext uri="{FF2B5EF4-FFF2-40B4-BE49-F238E27FC236}">
+                <a16:creationId xmlns:a16="http://schemas.microsoft.com/office/drawing/2014/main" id="{A014B656-6E02-4B99-AE97-F568445E560B}"/>
+              </a:ext>
+            </a:extLst>
+          </p:cNvPr>
+          <p:cNvPicPr>
+            <a:picLocks noChangeAspect="1"/>
+          </p:cNvPicPr>
+          <p:nvPr/>
+        </p:nvPicPr>
+        <p:blipFill>
+          <a:blip r:embed="rId2"/>
+          <a:stretch>
+            <a:fillRect/>
+          </a:stretch>
+        </p:blipFill>
+        <p:spPr>
+          <a:xfrm>
+            <a:off x="1643312" y="3101181"/>
+            <a:ext cx="8671427" cy="2288966"/>
+          </a:xfrm>
+          <a:prstGeom prst="rect">
+            <a:avLst/>
+          </a:prstGeom>
+        </p:spPr>
+      </p:pic>
     </p:spTree>
     <p:extLst>
       <p:ext uri="{BB962C8B-B14F-4D97-AF65-F5344CB8AC3E}">
@@ -5737,7 +6698,7 @@
 </p:sld>
 </file>
 
-<file path=ppt/slides/slide3.xml><?xml version="1.0" encoding="utf-8"?>
+<file path=ppt/slides/slide37.xml><?xml version="1.0" encoding="utf-8"?>
 <p:sld xmlns:a="http://schemas.openxmlformats.org/drawingml/2006/main" xmlns:r="http://schemas.openxmlformats.org/officeDocument/2006/relationships" xmlns:p="http://schemas.openxmlformats.org/presentationml/2006/main">
   <p:cSld>
     <p:spTree>
@@ -5759,7 +6720,7 @@
           <p:cNvPr id="2" name="Başlık 1">
             <a:extLst>
               <a:ext uri="{FF2B5EF4-FFF2-40B4-BE49-F238E27FC236}">
-                <a16:creationId xmlns:a16="http://schemas.microsoft.com/office/drawing/2014/main" id="{0E724263-3355-47F0-B682-9D94A82028F1}"/>
+                <a16:creationId xmlns:a16="http://schemas.microsoft.com/office/drawing/2014/main" id="{0F62001E-69C8-4893-B24A-1D0E35B3630E}"/>
               </a:ext>
             </a:extLst>
           </p:cNvPr>
@@ -5775,7 +6736,15 @@
           <a:bodyPr/>
           <a:lstStyle/>
           <a:p>
-            <a:endParaRPr lang="en-US"/>
+            <a:r>
+              <a:rPr lang="tr-TR" dirty="0"/>
+              <a:t>Elde ettiğimiz tüm sonuçların </a:t>
+            </a:r>
+            <a:r>
+              <a:rPr lang="tr-TR" dirty="0" err="1"/>
+              <a:t>ortalamalanması</a:t>
+            </a:r>
+            <a:endParaRPr lang="en-US" dirty="0"/>
           </a:p>
         </p:txBody>
       </p:sp>
@@ -5784,7 +6753,7 @@
           <p:cNvPr id="3" name="İçerik Yer Tutucusu 2">
             <a:extLst>
               <a:ext uri="{FF2B5EF4-FFF2-40B4-BE49-F238E27FC236}">
-                <a16:creationId xmlns:a16="http://schemas.microsoft.com/office/drawing/2014/main" id="{12212EB8-C5A2-4B5B-93EB-E6A4DB6F203C}"/>
+                <a16:creationId xmlns:a16="http://schemas.microsoft.com/office/drawing/2014/main" id="{552181A2-6FE9-4DCE-9FD3-9CB553345F00}"/>
               </a:ext>
             </a:extLst>
           </p:cNvPr>
@@ -5802,58 +6771,19 @@
           <a:p>
             <a:r>
               <a:rPr lang="tr-TR" dirty="0"/>
-              <a:t>Veri setimizde anlamsız çok fazla </a:t>
-            </a:r>
-            <a:r>
-              <a:rPr lang="tr-TR" dirty="0" err="1"/>
-              <a:t>feature</a:t>
-            </a:r>
+              <a:t>Beklenen verimi elde etmedi</a:t>
+            </a:r>
+          </a:p>
+          <a:p>
             <a:r>
               <a:rPr lang="tr-TR" dirty="0"/>
-              <a:t> bulunuyordu.</a:t>
-            </a:r>
-          </a:p>
-          <a:p>
-            <a:r>
-              <a:rPr lang="tr-TR" dirty="0"/>
-              <a:t>Veri setimizde birbirine çok benzer </a:t>
-            </a:r>
-            <a:r>
-              <a:rPr lang="tr-TR" dirty="0" err="1"/>
-              <a:t>featurelar</a:t>
-            </a:r>
-            <a:r>
-              <a:rPr lang="tr-TR" dirty="0"/>
-              <a:t> bulunuyordu.</a:t>
-            </a:r>
-          </a:p>
-          <a:p>
-            <a:r>
-              <a:rPr lang="tr-TR" dirty="0"/>
-              <a:t>Veri setimizde çok fazla </a:t>
-            </a:r>
-            <a:r>
-              <a:rPr lang="tr-TR" dirty="0" err="1"/>
-              <a:t>null</a:t>
-            </a:r>
-            <a:r>
-              <a:rPr lang="tr-TR" dirty="0"/>
-              <a:t> – yada boş değer bulunuyordu. (Örneğin </a:t>
-            </a:r>
-            <a:r>
-              <a:rPr lang="tr-TR" dirty="0" err="1"/>
-              <a:t>gps_height</a:t>
-            </a:r>
-            <a:r>
-              <a:rPr lang="tr-TR" dirty="0"/>
-              <a:t> = 0 gibi)</a:t>
-            </a:r>
-          </a:p>
-          <a:p>
-            <a:r>
-              <a:rPr lang="tr-TR" dirty="0"/>
-              <a:t>İyi bir sonuç elde edebilmek için veri setimizle oynadık.</a:t>
-            </a:r>
+              <a:t>Daha kötü sonuç elde ettik.</a:t>
+            </a:r>
+          </a:p>
+          <a:p>
+            <a:pPr marL="0" indent="0">
+              <a:buNone/>
+            </a:pPr>
             <a:endParaRPr lang="en-US" dirty="0"/>
           </a:p>
         </p:txBody>
@@ -5861,7 +6791,91 @@
     </p:spTree>
     <p:extLst>
       <p:ext uri="{BB962C8B-B14F-4D97-AF65-F5344CB8AC3E}">
-        <p14:creationId xmlns:p14="http://schemas.microsoft.com/office/powerpoint/2010/main" val="178826117"/>
+        <p14:creationId xmlns:p14="http://schemas.microsoft.com/office/powerpoint/2010/main" val="600436108"/>
+      </p:ext>
+    </p:extLst>
+  </p:cSld>
+  <p:clrMapOvr>
+    <a:masterClrMapping/>
+  </p:clrMapOvr>
+</p:sld>
+</file>
+
+<file path=ppt/slides/slide38.xml><?xml version="1.0" encoding="utf-8"?>
+<p:sld xmlns:a="http://schemas.openxmlformats.org/drawingml/2006/main" xmlns:r="http://schemas.openxmlformats.org/officeDocument/2006/relationships" xmlns:p="http://schemas.openxmlformats.org/presentationml/2006/main">
+  <p:cSld>
+    <p:spTree>
+      <p:nvGrpSpPr>
+        <p:cNvPr id="1" name=""/>
+        <p:cNvGrpSpPr/>
+        <p:nvPr/>
+      </p:nvGrpSpPr>
+      <p:grpSpPr>
+        <a:xfrm>
+          <a:off x="0" y="0"/>
+          <a:ext cx="0" cy="0"/>
+          <a:chOff x="0" y="0"/>
+          <a:chExt cx="0" cy="0"/>
+        </a:xfrm>
+      </p:grpSpPr>
+      <p:sp>
+        <p:nvSpPr>
+          <p:cNvPr id="2" name="Başlık 1">
+            <a:extLst>
+              <a:ext uri="{FF2B5EF4-FFF2-40B4-BE49-F238E27FC236}">
+                <a16:creationId xmlns:a16="http://schemas.microsoft.com/office/drawing/2014/main" id="{ABCA589F-DB98-485B-968A-6514C84E49A3}"/>
+              </a:ext>
+            </a:extLst>
+          </p:cNvPr>
+          <p:cNvSpPr>
+            <a:spLocks noGrp="1"/>
+          </p:cNvSpPr>
+          <p:nvPr>
+            <p:ph type="title"/>
+          </p:nvPr>
+        </p:nvSpPr>
+        <p:spPr/>
+        <p:txBody>
+          <a:bodyPr/>
+          <a:lstStyle/>
+          <a:p>
+            <a:r>
+              <a:rPr lang="tr-TR" dirty="0"/>
+              <a:t>TEŞEKKÜRLER</a:t>
+            </a:r>
+            <a:endParaRPr lang="en-US" dirty="0"/>
+          </a:p>
+        </p:txBody>
+      </p:sp>
+      <p:sp>
+        <p:nvSpPr>
+          <p:cNvPr id="3" name="İçerik Yer Tutucusu 2">
+            <a:extLst>
+              <a:ext uri="{FF2B5EF4-FFF2-40B4-BE49-F238E27FC236}">
+                <a16:creationId xmlns:a16="http://schemas.microsoft.com/office/drawing/2014/main" id="{06493902-B42F-4F35-AB34-5432EEE56EE0}"/>
+              </a:ext>
+            </a:extLst>
+          </p:cNvPr>
+          <p:cNvSpPr>
+            <a:spLocks noGrp="1"/>
+          </p:cNvSpPr>
+          <p:nvPr>
+            <p:ph idx="1"/>
+          </p:nvPr>
+        </p:nvSpPr>
+        <p:spPr/>
+        <p:txBody>
+          <a:bodyPr/>
+          <a:lstStyle/>
+          <a:p>
+            <a:endParaRPr lang="en-US" dirty="0"/>
+          </a:p>
+        </p:txBody>
+      </p:sp>
+    </p:spTree>
+    <p:extLst>
+      <p:ext uri="{BB962C8B-B14F-4D97-AF65-F5344CB8AC3E}">
+        <p14:creationId xmlns:p14="http://schemas.microsoft.com/office/powerpoint/2010/main" val="3406683095"/>
       </p:ext>
     </p:extLst>
   </p:cSld>
@@ -5995,7 +7009,7 @@
           <p:cNvPr id="2" name="Başlık 1">
             <a:extLst>
               <a:ext uri="{FF2B5EF4-FFF2-40B4-BE49-F238E27FC236}">
-                <a16:creationId xmlns:a16="http://schemas.microsoft.com/office/drawing/2014/main" id="{62F9BCC9-197D-4798-8505-07B835E85559}"/>
+                <a16:creationId xmlns:a16="http://schemas.microsoft.com/office/drawing/2014/main" id="{885B322F-5313-4C14-AA33-17178D2CACA6}"/>
               </a:ext>
             </a:extLst>
           </p:cNvPr>
@@ -6008,37 +7022,16 @@
         </p:nvSpPr>
         <p:spPr/>
         <p:txBody>
-          <a:bodyPr>
-            <a:normAutofit fontScale="90000"/>
-          </a:bodyPr>
+          <a:bodyPr/>
           <a:lstStyle/>
           <a:p>
             <a:r>
               <a:rPr lang="tr-TR" dirty="0"/>
-              <a:t>1. Denememiz</a:t>
-            </a:r>
-            <a:br>
-              <a:rPr lang="tr-TR" dirty="0"/>
-            </a:br>
-            <a:r>
-              <a:rPr lang="tr-TR" dirty="0"/>
-              <a:t>Birbirine benzer </a:t>
+              <a:t>Data </a:t>
             </a:r>
             <a:r>
               <a:rPr lang="tr-TR" dirty="0" err="1"/>
-              <a:t>featureların</a:t>
-            </a:r>
-            <a:r>
-              <a:rPr lang="tr-TR" dirty="0"/>
-              <a:t> tespiti ve </a:t>
-            </a:r>
-            <a:r>
-              <a:rPr lang="tr-TR" dirty="0" err="1"/>
-              <a:t>Datasetinden</a:t>
-            </a:r>
-            <a:r>
-              <a:rPr lang="tr-TR" dirty="0"/>
-              <a:t> atılması</a:t>
+              <a:t>Cleaning</a:t>
             </a:r>
             <a:endParaRPr lang="en-US" dirty="0"/>
           </a:p>
@@ -6049,7 +7042,7 @@
           <p:cNvPr id="3" name="İçerik Yer Tutucusu 2">
             <a:extLst>
               <a:ext uri="{FF2B5EF4-FFF2-40B4-BE49-F238E27FC236}">
-                <a16:creationId xmlns:a16="http://schemas.microsoft.com/office/drawing/2014/main" id="{7E5F53A4-7266-4B58-9D45-BB2ECBC41152}"/>
+                <a16:creationId xmlns:a16="http://schemas.microsoft.com/office/drawing/2014/main" id="{0F79B8FB-61F6-46CA-AB74-0B98230273DB}"/>
               </a:ext>
             </a:extLst>
           </p:cNvPr>
@@ -6065,14 +7058,14 @@
           <a:bodyPr/>
           <a:lstStyle/>
           <a:p>
-            <a:endParaRPr lang="en-US" dirty="0"/>
+            <a:endParaRPr lang="en-US"/>
           </a:p>
         </p:txBody>
       </p:sp>
     </p:spTree>
     <p:extLst>
       <p:ext uri="{BB962C8B-B14F-4D97-AF65-F5344CB8AC3E}">
-        <p14:creationId xmlns:p14="http://schemas.microsoft.com/office/powerpoint/2010/main" val="2984890450"/>
+        <p14:creationId xmlns:p14="http://schemas.microsoft.com/office/powerpoint/2010/main" val="2056690455"/>
       </p:ext>
     </p:extLst>
   </p:cSld>
@@ -6104,7 +7097,7 @@
           <p:cNvPr id="2" name="Başlık 1">
             <a:extLst>
               <a:ext uri="{FF2B5EF4-FFF2-40B4-BE49-F238E27FC236}">
-                <a16:creationId xmlns:a16="http://schemas.microsoft.com/office/drawing/2014/main" id="{DB882EE9-9DDB-425B-9E45-4E353F5587EE}"/>
+                <a16:creationId xmlns:a16="http://schemas.microsoft.com/office/drawing/2014/main" id="{53534C39-78DA-4D84-A2B1-085F396466F8}"/>
               </a:ext>
             </a:extLst>
           </p:cNvPr>
@@ -6120,49 +7113,111 @@
           <a:bodyPr/>
           <a:lstStyle/>
           <a:p>
+            <a:endParaRPr lang="en-US" dirty="0"/>
+          </a:p>
+        </p:txBody>
+      </p:sp>
+      <p:sp>
+        <p:nvSpPr>
+          <p:cNvPr id="3" name="İçerik Yer Tutucusu 2">
+            <a:extLst>
+              <a:ext uri="{FF2B5EF4-FFF2-40B4-BE49-F238E27FC236}">
+                <a16:creationId xmlns:a16="http://schemas.microsoft.com/office/drawing/2014/main" id="{5398453B-6B13-411B-846F-31901D2F9387}"/>
+              </a:ext>
+            </a:extLst>
+          </p:cNvPr>
+          <p:cNvSpPr>
+            <a:spLocks noGrp="1"/>
+          </p:cNvSpPr>
+          <p:nvPr>
+            <p:ph idx="1"/>
+          </p:nvPr>
+        </p:nvSpPr>
+        <p:spPr/>
+        <p:txBody>
+          <a:bodyPr/>
+          <a:lstStyle/>
+          <a:p>
+            <a:r>
+              <a:rPr lang="tr-TR" dirty="0"/>
+              <a:t>0’ları </a:t>
+            </a:r>
+            <a:r>
+              <a:rPr lang="tr-TR" dirty="0" err="1"/>
+              <a:t>null</a:t>
+            </a:r>
+            <a:r>
+              <a:rPr lang="tr-TR" dirty="0"/>
+              <a:t> ile değiştirdik.</a:t>
+            </a:r>
             <a:endParaRPr lang="en-US" dirty="0"/>
           </a:p>
         </p:txBody>
       </p:sp>
       <p:pic>
         <p:nvPicPr>
-          <p:cNvPr id="5" name="İçerik Yer Tutucusu 4" descr="ekran görüntüsü içeren bir resim&#10;&#10;Açıklama otomatik olarak oluşturuldu">
-            <a:extLst>
-              <a:ext uri="{FF2B5EF4-FFF2-40B4-BE49-F238E27FC236}">
-                <a16:creationId xmlns:a16="http://schemas.microsoft.com/office/drawing/2014/main" id="{0D1E895D-60C9-432D-A701-C1759BF94C72}"/>
+          <p:cNvPr id="5" name="Resim 4">
+            <a:extLst>
+              <a:ext uri="{FF2B5EF4-FFF2-40B4-BE49-F238E27FC236}">
+                <a16:creationId xmlns:a16="http://schemas.microsoft.com/office/drawing/2014/main" id="{7300C839-BEA6-4CEE-8643-6D2CEB12E626}"/>
               </a:ext>
             </a:extLst>
           </p:cNvPr>
           <p:cNvPicPr>
-            <a:picLocks noGrp="1" noChangeAspect="1"/>
+            <a:picLocks noChangeAspect="1"/>
           </p:cNvPicPr>
-          <p:nvPr>
-            <p:ph idx="1"/>
-          </p:nvPr>
+          <p:nvPr/>
         </p:nvPicPr>
         <p:blipFill>
-          <a:blip r:embed="rId2">
-            <a:extLst>
-              <a:ext uri="{28A0092B-C50C-407E-A947-70E740481C1C}">
-                <a14:useLocalDpi xmlns:a14="http://schemas.microsoft.com/office/drawing/2010/main" val="0"/>
-              </a:ext>
-            </a:extLst>
-          </a:blip>
+          <a:blip r:embed="rId2"/>
           <a:stretch>
             <a:fillRect/>
           </a:stretch>
         </p:blipFill>
         <p:spPr>
           <a:xfrm>
-            <a:off x="1284245" y="1887162"/>
-            <a:ext cx="9623509" cy="3763383"/>
+            <a:off x="1212331" y="2954754"/>
+            <a:ext cx="9767338" cy="1601203"/>
           </a:xfrm>
+          <a:prstGeom prst="rect">
+            <a:avLst/>
+          </a:prstGeom>
+        </p:spPr>
+      </p:pic>
+      <p:pic>
+        <p:nvPicPr>
+          <p:cNvPr id="7" name="Resim 6">
+            <a:extLst>
+              <a:ext uri="{FF2B5EF4-FFF2-40B4-BE49-F238E27FC236}">
+                <a16:creationId xmlns:a16="http://schemas.microsoft.com/office/drawing/2014/main" id="{FC0F44DE-B8B0-4B99-B2A0-2C027DB4D3E8}"/>
+              </a:ext>
+            </a:extLst>
+          </p:cNvPr>
+          <p:cNvPicPr>
+            <a:picLocks noChangeAspect="1"/>
+          </p:cNvPicPr>
+          <p:nvPr/>
+        </p:nvPicPr>
+        <p:blipFill>
+          <a:blip r:embed="rId3"/>
+          <a:stretch>
+            <a:fillRect/>
+          </a:stretch>
+        </p:blipFill>
+        <p:spPr>
+          <a:xfrm>
+            <a:off x="1212330" y="4555957"/>
+            <a:ext cx="7819375" cy="714375"/>
+          </a:xfrm>
+          <a:prstGeom prst="rect">
+            <a:avLst/>
+          </a:prstGeom>
         </p:spPr>
       </p:pic>
     </p:spTree>
     <p:extLst>
       <p:ext uri="{BB962C8B-B14F-4D97-AF65-F5344CB8AC3E}">
-        <p14:creationId xmlns:p14="http://schemas.microsoft.com/office/powerpoint/2010/main" val="1850964434"/>
+        <p14:creationId xmlns:p14="http://schemas.microsoft.com/office/powerpoint/2010/main" val="2520716201"/>
       </p:ext>
     </p:extLst>
   </p:cSld>
@@ -6194,7 +7249,7 @@
           <p:cNvPr id="2" name="Başlık 1">
             <a:extLst>
               <a:ext uri="{FF2B5EF4-FFF2-40B4-BE49-F238E27FC236}">
-                <a16:creationId xmlns:a16="http://schemas.microsoft.com/office/drawing/2014/main" id="{17B80337-50B6-4091-BE59-FC34EDBBF8A7}"/>
+                <a16:creationId xmlns:a16="http://schemas.microsoft.com/office/drawing/2014/main" id="{2416CED6-D28C-42B9-85B1-054A688FFC24}"/>
               </a:ext>
             </a:extLst>
           </p:cNvPr>
@@ -6210,16 +7265,20 @@
           <a:bodyPr/>
           <a:lstStyle/>
           <a:p>
-            <a:endParaRPr lang="en-US"/>
+            <a:r>
+              <a:rPr lang="tr-TR" dirty="0"/>
+              <a:t>Bilinmeyen değerlerin, olabilecek en iyi şekilde tahmin edilip, doldurulması</a:t>
+            </a:r>
+            <a:endParaRPr lang="en-US" dirty="0"/>
           </a:p>
         </p:txBody>
       </p:sp>
       <p:pic>
         <p:nvPicPr>
-          <p:cNvPr id="5" name="İçerik Yer Tutucusu 4" descr="ekran görüntüsü, telefon içeren bir resim&#10;&#10;Açıklama otomatik olarak oluşturuldu">
-            <a:extLst>
-              <a:ext uri="{FF2B5EF4-FFF2-40B4-BE49-F238E27FC236}">
-                <a16:creationId xmlns:a16="http://schemas.microsoft.com/office/drawing/2014/main" id="{B7A3271A-F7F9-42B3-B343-DA4AE8C5CD8F}"/>
+          <p:cNvPr id="6" name="İçerik Yer Tutucusu 4">
+            <a:extLst>
+              <a:ext uri="{FF2B5EF4-FFF2-40B4-BE49-F238E27FC236}">
+                <a16:creationId xmlns:a16="http://schemas.microsoft.com/office/drawing/2014/main" id="{469EF9A0-F65B-4293-83A8-AAF7E793ED36}"/>
               </a:ext>
             </a:extLst>
           </p:cNvPr>
@@ -6231,28 +7290,22 @@
           </p:nvPr>
         </p:nvPicPr>
         <p:blipFill>
-          <a:blip r:embed="rId2">
-            <a:extLst>
-              <a:ext uri="{28A0092B-C50C-407E-A947-70E740481C1C}">
-                <a14:useLocalDpi xmlns:a14="http://schemas.microsoft.com/office/drawing/2010/main" val="0"/>
-              </a:ext>
-            </a:extLst>
-          </a:blip>
+          <a:blip r:embed="rId2"/>
           <a:stretch>
             <a:fillRect/>
           </a:stretch>
         </p:blipFill>
         <p:spPr>
           <a:xfrm>
-            <a:off x="1297086" y="1690688"/>
-            <a:ext cx="9597828" cy="4545532"/>
+            <a:off x="758301" y="2690188"/>
+            <a:ext cx="10515600" cy="1477623"/>
           </a:xfrm>
         </p:spPr>
       </p:pic>
     </p:spTree>
     <p:extLst>
       <p:ext uri="{BB962C8B-B14F-4D97-AF65-F5344CB8AC3E}">
-        <p14:creationId xmlns:p14="http://schemas.microsoft.com/office/powerpoint/2010/main" val="752941234"/>
+        <p14:creationId xmlns:p14="http://schemas.microsoft.com/office/powerpoint/2010/main" val="842945892"/>
       </p:ext>
     </p:extLst>
   </p:cSld>
@@ -6284,7 +7337,7 @@
           <p:cNvPr id="2" name="Başlık 1">
             <a:extLst>
               <a:ext uri="{FF2B5EF4-FFF2-40B4-BE49-F238E27FC236}">
-                <a16:creationId xmlns:a16="http://schemas.microsoft.com/office/drawing/2014/main" id="{F672CDEF-E141-439E-92FF-E1D27D06DD50}"/>
+                <a16:creationId xmlns:a16="http://schemas.microsoft.com/office/drawing/2014/main" id="{B4E6F765-E90A-47E4-81C9-2026E550A019}"/>
               </a:ext>
             </a:extLst>
           </p:cNvPr>
@@ -6300,16 +7353,28 @@
           <a:bodyPr/>
           <a:lstStyle/>
           <a:p>
-            <a:endParaRPr lang="en-US"/>
+            <a:r>
+              <a:rPr lang="tr-TR" dirty="0"/>
+              <a:t>Bazı değerleri </a:t>
+            </a:r>
+            <a:r>
+              <a:rPr lang="tr-TR" dirty="0" err="1"/>
+              <a:t>scale</a:t>
+            </a:r>
+            <a:r>
+              <a:rPr lang="tr-TR" dirty="0"/>
+              <a:t> ettik.</a:t>
+            </a:r>
+            <a:endParaRPr lang="en-US" dirty="0"/>
           </a:p>
         </p:txBody>
       </p:sp>
       <p:pic>
         <p:nvPicPr>
-          <p:cNvPr id="5" name="İçerik Yer Tutucusu 4" descr="ekran görüntüsü içeren bir resim&#10;&#10;Açıklama otomatik olarak oluşturuldu">
-            <a:extLst>
-              <a:ext uri="{FF2B5EF4-FFF2-40B4-BE49-F238E27FC236}">
-                <a16:creationId xmlns:a16="http://schemas.microsoft.com/office/drawing/2014/main" id="{36FB3733-B554-400D-ABBC-7E430B16BC97}"/>
+          <p:cNvPr id="5" name="İçerik Yer Tutucusu 4">
+            <a:extLst>
+              <a:ext uri="{FF2B5EF4-FFF2-40B4-BE49-F238E27FC236}">
+                <a16:creationId xmlns:a16="http://schemas.microsoft.com/office/drawing/2014/main" id="{B559B689-8295-44A6-B505-C4561D5CFFA6}"/>
               </a:ext>
             </a:extLst>
           </p:cNvPr>
@@ -6321,28 +7386,22 @@
           </p:nvPr>
         </p:nvPicPr>
         <p:blipFill>
-          <a:blip r:embed="rId2">
-            <a:extLst>
-              <a:ext uri="{28A0092B-C50C-407E-A947-70E740481C1C}">
-                <a14:useLocalDpi xmlns:a14="http://schemas.microsoft.com/office/drawing/2010/main" val="0"/>
-              </a:ext>
-            </a:extLst>
-          </a:blip>
+          <a:blip r:embed="rId2"/>
           <a:stretch>
             <a:fillRect/>
           </a:stretch>
         </p:blipFill>
         <p:spPr>
           <a:xfrm>
-            <a:off x="845966" y="1894680"/>
-            <a:ext cx="10507834" cy="4065247"/>
+            <a:off x="264694" y="2490071"/>
+            <a:ext cx="11662612" cy="1877858"/>
           </a:xfrm>
         </p:spPr>
       </p:pic>
     </p:spTree>
     <p:extLst>
       <p:ext uri="{BB962C8B-B14F-4D97-AF65-F5344CB8AC3E}">
-        <p14:creationId xmlns:p14="http://schemas.microsoft.com/office/powerpoint/2010/main" val="3925549399"/>
+        <p14:creationId xmlns:p14="http://schemas.microsoft.com/office/powerpoint/2010/main" val="2026701510"/>
       </p:ext>
     </p:extLst>
   </p:cSld>
@@ -6374,7 +7433,7 @@
           <p:cNvPr id="2" name="Başlık 1">
             <a:extLst>
               <a:ext uri="{FF2B5EF4-FFF2-40B4-BE49-F238E27FC236}">
-                <a16:creationId xmlns:a16="http://schemas.microsoft.com/office/drawing/2014/main" id="{7E4FA331-6A62-49CC-B075-D700A7DA4AEC}"/>
+                <a16:creationId xmlns:a16="http://schemas.microsoft.com/office/drawing/2014/main" id="{65C45479-83F5-4951-8636-7BDFFD6B06E4}"/>
               </a:ext>
             </a:extLst>
           </p:cNvPr>
@@ -6385,21 +7444,30 @@
             <p:ph type="title"/>
           </p:nvPr>
         </p:nvSpPr>
-        <p:spPr/>
-        <p:txBody>
-          <a:bodyPr/>
-          <a:lstStyle/>
-          <a:p>
-            <a:endParaRPr lang="en-US"/>
+        <p:spPr>
+          <a:xfrm>
+            <a:off x="438705" y="1552260"/>
+            <a:ext cx="10515600" cy="1325563"/>
+          </a:xfrm>
+        </p:spPr>
+        <p:txBody>
+          <a:bodyPr/>
+          <a:lstStyle/>
+          <a:p>
+            <a:r>
+              <a:rPr lang="tr-TR" dirty="0"/>
+              <a:t>Pompanın aktiflik tarihi için 2 farklı yaklaşım denedik.</a:t>
+            </a:r>
+            <a:endParaRPr lang="en-US" dirty="0"/>
           </a:p>
         </p:txBody>
       </p:sp>
       <p:pic>
         <p:nvPicPr>
-          <p:cNvPr id="5" name="İçerik Yer Tutucusu 4" descr="ekran görüntüsü içeren bir resim&#10;&#10;Açıklama otomatik olarak oluşturuldu">
-            <a:extLst>
-              <a:ext uri="{FF2B5EF4-FFF2-40B4-BE49-F238E27FC236}">
-                <a16:creationId xmlns:a16="http://schemas.microsoft.com/office/drawing/2014/main" id="{38BB0925-6D0E-4C29-A528-D54D92830973}"/>
+          <p:cNvPr id="5" name="İçerik Yer Tutucusu 4">
+            <a:extLst>
+              <a:ext uri="{FF2B5EF4-FFF2-40B4-BE49-F238E27FC236}">
+                <a16:creationId xmlns:a16="http://schemas.microsoft.com/office/drawing/2014/main" id="{C48126E6-DF3E-4968-9954-612A86171BA7}"/>
               </a:ext>
             </a:extLst>
           </p:cNvPr>
@@ -6411,28 +7479,85 @@
           </p:nvPr>
         </p:nvPicPr>
         <p:blipFill>
-          <a:blip r:embed="rId2">
-            <a:extLst>
-              <a:ext uri="{28A0092B-C50C-407E-A947-70E740481C1C}">
-                <a14:useLocalDpi xmlns:a14="http://schemas.microsoft.com/office/drawing/2010/main" val="0"/>
-              </a:ext>
-            </a:extLst>
-          </a:blip>
+          <a:blip r:embed="rId2"/>
           <a:stretch>
             <a:fillRect/>
           </a:stretch>
         </p:blipFill>
         <p:spPr>
           <a:xfrm>
-            <a:off x="838200" y="1915896"/>
-            <a:ext cx="11046896" cy="3734767"/>
+            <a:off x="973677" y="2949096"/>
+            <a:ext cx="9925050" cy="3019425"/>
           </a:xfrm>
         </p:spPr>
       </p:pic>
+      <p:sp>
+        <p:nvSpPr>
+          <p:cNvPr id="6" name="Başlık 1">
+            <a:extLst>
+              <a:ext uri="{FF2B5EF4-FFF2-40B4-BE49-F238E27FC236}">
+                <a16:creationId xmlns:a16="http://schemas.microsoft.com/office/drawing/2014/main" id="{C910E485-D334-443E-9C78-2B149E08225B}"/>
+              </a:ext>
+            </a:extLst>
+          </p:cNvPr>
+          <p:cNvSpPr txBox="1">
+            <a:spLocks/>
+          </p:cNvSpPr>
+          <p:nvPr/>
+        </p:nvSpPr>
+        <p:spPr>
+          <a:xfrm>
+            <a:off x="1237695" y="226697"/>
+            <a:ext cx="10515600" cy="1325563"/>
+          </a:xfrm>
+          <a:prstGeom prst="rect">
+            <a:avLst/>
+          </a:prstGeom>
+        </p:spPr>
+        <p:txBody>
+          <a:bodyPr vert="horz" lIns="91440" tIns="45720" rIns="91440" bIns="45720" rtlCol="0" anchor="ctr">
+            <a:normAutofit/>
+          </a:bodyPr>
+          <a:lstStyle>
+            <a:lvl1pPr algn="l" defTabSz="914400" rtl="0" eaLnBrk="1" latinLnBrk="0" hangingPunct="1">
+              <a:lnSpc>
+                <a:spcPct val="90000"/>
+              </a:lnSpc>
+              <a:spcBef>
+                <a:spcPct val="0"/>
+              </a:spcBef>
+              <a:buNone/>
+              <a:defRPr sz="4400" kern="1200">
+                <a:solidFill>
+                  <a:schemeClr val="tx1"/>
+                </a:solidFill>
+                <a:latin typeface="+mj-lt"/>
+                <a:ea typeface="+mj-ea"/>
+                <a:cs typeface="+mj-cs"/>
+              </a:defRPr>
+            </a:lvl1pPr>
+          </a:lstStyle>
+          <a:p>
+            <a:r>
+              <a:rPr lang="tr-TR" dirty="0"/>
+              <a:t>Kuruluş tarihi ve ölçüm tarihi bilgilerinden yeni </a:t>
+            </a:r>
+            <a:r>
+              <a:rPr lang="tr-TR" dirty="0" err="1"/>
+              <a:t>feature</a:t>
+            </a:r>
+            <a:r>
+              <a:rPr lang="tr-TR" dirty="0"/>
+              <a:t> elde edilmesi</a:t>
+            </a:r>
+            <a:endParaRPr lang="en-US" dirty="0"/>
+          </a:p>
+        </p:txBody>
+      </p:sp>
     </p:spTree>
     <p:extLst>
       <p:ext uri="{BB962C8B-B14F-4D97-AF65-F5344CB8AC3E}">
-        <p14:creationId xmlns:p14="http://schemas.microsoft.com/office/powerpoint/2010/main" val="225921234"/>
+        <p14:creationId xmlns:p14="http://schemas.microsoft.com/office/powerpoint/2010/main" val="4248752764"/>
       </p:ext>
     </p:extLst>
   </p:cSld>
